--- a/documents/open ltfs overall.pptx
+++ b/documents/open ltfs overall.pptx
@@ -243,7 +243,7 @@
           <a:p>
             <a:fld id="{BC2A025D-D90C-1A40-BCF9-FD2E03D80E83}" type="datetimeFigureOut">
               <a:rPr lang="en-US" smtClean="0"/>
-              <a:t>9/15/16</a:t>
+              <a:t>1/16/17</a:t>
             </a:fld>
             <a:endParaRPr lang="en-US"/>
           </a:p>
@@ -413,7 +413,7 @@
           <a:p>
             <a:fld id="{BC2A025D-D90C-1A40-BCF9-FD2E03D80E83}" type="datetimeFigureOut">
               <a:rPr lang="en-US" smtClean="0"/>
-              <a:t>9/15/16</a:t>
+              <a:t>1/16/17</a:t>
             </a:fld>
             <a:endParaRPr lang="en-US"/>
           </a:p>
@@ -593,7 +593,7 @@
           <a:p>
             <a:fld id="{BC2A025D-D90C-1A40-BCF9-FD2E03D80E83}" type="datetimeFigureOut">
               <a:rPr lang="en-US" smtClean="0"/>
-              <a:t>9/15/16</a:t>
+              <a:t>1/16/17</a:t>
             </a:fld>
             <a:endParaRPr lang="en-US"/>
           </a:p>
@@ -763,7 +763,7 @@
           <a:p>
             <a:fld id="{BC2A025D-D90C-1A40-BCF9-FD2E03D80E83}" type="datetimeFigureOut">
               <a:rPr lang="en-US" smtClean="0"/>
-              <a:t>9/15/16</a:t>
+              <a:t>1/16/17</a:t>
             </a:fld>
             <a:endParaRPr lang="en-US"/>
           </a:p>
@@ -1009,7 +1009,7 @@
           <a:p>
             <a:fld id="{BC2A025D-D90C-1A40-BCF9-FD2E03D80E83}" type="datetimeFigureOut">
               <a:rPr lang="en-US" smtClean="0"/>
-              <a:t>9/15/16</a:t>
+              <a:t>1/16/17</a:t>
             </a:fld>
             <a:endParaRPr lang="en-US"/>
           </a:p>
@@ -1241,7 +1241,7 @@
           <a:p>
             <a:fld id="{BC2A025D-D90C-1A40-BCF9-FD2E03D80E83}" type="datetimeFigureOut">
               <a:rPr lang="en-US" smtClean="0"/>
-              <a:t>9/15/16</a:t>
+              <a:t>1/16/17</a:t>
             </a:fld>
             <a:endParaRPr lang="en-US"/>
           </a:p>
@@ -1608,7 +1608,7 @@
           <a:p>
             <a:fld id="{BC2A025D-D90C-1A40-BCF9-FD2E03D80E83}" type="datetimeFigureOut">
               <a:rPr lang="en-US" smtClean="0"/>
-              <a:t>9/15/16</a:t>
+              <a:t>1/16/17</a:t>
             </a:fld>
             <a:endParaRPr lang="en-US"/>
           </a:p>
@@ -1726,7 +1726,7 @@
           <a:p>
             <a:fld id="{BC2A025D-D90C-1A40-BCF9-FD2E03D80E83}" type="datetimeFigureOut">
               <a:rPr lang="en-US" smtClean="0"/>
-              <a:t>9/15/16</a:t>
+              <a:t>1/16/17</a:t>
             </a:fld>
             <a:endParaRPr lang="en-US"/>
           </a:p>
@@ -1821,7 +1821,7 @@
           <a:p>
             <a:fld id="{BC2A025D-D90C-1A40-BCF9-FD2E03D80E83}" type="datetimeFigureOut">
               <a:rPr lang="en-US" smtClean="0"/>
-              <a:t>9/15/16</a:t>
+              <a:t>1/16/17</a:t>
             </a:fld>
             <a:endParaRPr lang="en-US"/>
           </a:p>
@@ -2098,7 +2098,7 @@
           <a:p>
             <a:fld id="{BC2A025D-D90C-1A40-BCF9-FD2E03D80E83}" type="datetimeFigureOut">
               <a:rPr lang="en-US" smtClean="0"/>
-              <a:t>9/15/16</a:t>
+              <a:t>1/16/17</a:t>
             </a:fld>
             <a:endParaRPr lang="en-US"/>
           </a:p>
@@ -2351,7 +2351,7 @@
           <a:p>
             <a:fld id="{BC2A025D-D90C-1A40-BCF9-FD2E03D80E83}" type="datetimeFigureOut">
               <a:rPr lang="en-US" smtClean="0"/>
-              <a:t>9/15/16</a:t>
+              <a:t>1/16/17</a:t>
             </a:fld>
             <a:endParaRPr lang="en-US"/>
           </a:p>
@@ -2564,7 +2564,7 @@
           <a:p>
             <a:fld id="{BC2A025D-D90C-1A40-BCF9-FD2E03D80E83}" type="datetimeFigureOut">
               <a:rPr lang="en-US" smtClean="0"/>
-              <a:t>9/15/16</a:t>
+              <a:t>1/16/17</a:t>
             </a:fld>
             <a:endParaRPr lang="en-US"/>
           </a:p>
@@ -2979,20 +2979,81 @@
       </p:grpSpPr>
       <p:sp>
         <p:nvSpPr>
+          <p:cNvPr id="242" name="Rectangle 241"/>
+          <p:cNvSpPr/>
+          <p:nvPr/>
+        </p:nvSpPr>
+        <p:spPr>
+          <a:xfrm>
+            <a:off x="3747013" y="140993"/>
+            <a:ext cx="7742254" cy="5815826"/>
+          </a:xfrm>
+          <a:prstGeom prst="rect">
+            <a:avLst/>
+          </a:prstGeom>
+          <a:solidFill>
+            <a:schemeClr val="bg2"/>
+          </a:solidFill>
+          <a:ln>
+            <a:solidFill>
+              <a:schemeClr val="tx1"/>
+            </a:solidFill>
+          </a:ln>
+        </p:spPr>
+        <p:style>
+          <a:lnRef idx="2">
+            <a:schemeClr val="accent1">
+              <a:shade val="50000"/>
+            </a:schemeClr>
+          </a:lnRef>
+          <a:fillRef idx="1">
+            <a:schemeClr val="accent1"/>
+          </a:fillRef>
+          <a:effectRef idx="0">
+            <a:schemeClr val="accent1"/>
+          </a:effectRef>
+          <a:fontRef idx="minor">
+            <a:schemeClr val="lt1"/>
+          </a:fontRef>
+        </p:style>
+        <p:txBody>
+          <a:bodyPr rtlCol="0" anchor="t" anchorCtr="0"/>
+          <a:lstStyle/>
+          <a:p>
+            <a:r>
+              <a:rPr lang="en-US" dirty="0" smtClean="0">
+                <a:solidFill>
+                  <a:schemeClr val="tx1"/>
+                </a:solidFill>
+              </a:rPr>
+              <a:t>back end</a:t>
+            </a:r>
+            <a:endParaRPr lang="en-US" dirty="0">
+              <a:solidFill>
+                <a:schemeClr val="tx1"/>
+              </a:solidFill>
+            </a:endParaRPr>
+          </a:p>
+        </p:txBody>
+      </p:sp>
+      <p:sp>
+        <p:nvSpPr>
           <p:cNvPr id="158" name="Rectangle 157"/>
           <p:cNvSpPr/>
           <p:nvPr/>
         </p:nvSpPr>
         <p:spPr>
           <a:xfrm>
-            <a:off x="8979704" y="1843504"/>
+            <a:off x="8971358" y="1565414"/>
             <a:ext cx="2139679" cy="3381492"/>
           </a:xfrm>
           <a:prstGeom prst="rect">
             <a:avLst/>
           </a:prstGeom>
           <a:solidFill>
-            <a:schemeClr val="bg2"/>
+            <a:schemeClr val="bg1">
+              <a:lumMod val="75000"/>
+            </a:schemeClr>
           </a:solidFill>
           <a:ln>
             <a:solidFill>
@@ -3288,15 +3349,7 @@
                   <a:schemeClr val="tx1"/>
                 </a:solidFill>
               </a:rPr>
-              <a:t> </a:t>
-            </a:r>
-            <a:r>
-              <a:rPr lang="en-US" smtClean="0">
-                <a:solidFill>
-                  <a:schemeClr val="tx1"/>
-                </a:solidFill>
-              </a:rPr>
-              <a:t>help </a:t>
+              <a:t> help </a:t>
             </a:r>
             <a:endParaRPr lang="en-US" dirty="0">
               <a:solidFill>
@@ -3375,71 +3428,13 @@
       </p:sp>
       <p:sp>
         <p:nvSpPr>
-          <p:cNvPr id="8" name="Rectangle 7"/>
-          <p:cNvSpPr/>
-          <p:nvPr/>
-        </p:nvSpPr>
-        <p:spPr>
-          <a:xfrm>
-            <a:off x="3613958" y="2121851"/>
-            <a:ext cx="1740111" cy="349404"/>
-          </a:xfrm>
-          <a:prstGeom prst="rect">
-            <a:avLst/>
-          </a:prstGeom>
-          <a:noFill/>
-          <a:ln>
-            <a:solidFill>
-              <a:schemeClr val="tx1"/>
-            </a:solidFill>
-          </a:ln>
-        </p:spPr>
-        <p:style>
-          <a:lnRef idx="2">
-            <a:schemeClr val="accent1">
-              <a:shade val="50000"/>
-            </a:schemeClr>
-          </a:lnRef>
-          <a:fillRef idx="1">
-            <a:schemeClr val="accent1"/>
-          </a:fillRef>
-          <a:effectRef idx="0">
-            <a:schemeClr val="accent1"/>
-          </a:effectRef>
-          <a:fontRef idx="minor">
-            <a:schemeClr val="lt1"/>
-          </a:fontRef>
-        </p:style>
-        <p:txBody>
-          <a:bodyPr rtlCol="0" anchor="ctr"/>
-          <a:lstStyle/>
-          <a:p>
-            <a:pPr algn="ctr"/>
-            <a:r>
-              <a:rPr lang="en-US" dirty="0" smtClean="0">
-                <a:solidFill>
-                  <a:schemeClr val="tx1"/>
-                </a:solidFill>
-              </a:rPr>
-              <a:t>API</a:t>
-            </a:r>
-            <a:endParaRPr lang="en-US" dirty="0">
-              <a:solidFill>
-                <a:schemeClr val="tx1"/>
-              </a:solidFill>
-            </a:endParaRPr>
-          </a:p>
-        </p:txBody>
-      </p:sp>
-      <p:sp>
-        <p:nvSpPr>
           <p:cNvPr id="9" name="Rectangle 8"/>
           <p:cNvSpPr/>
           <p:nvPr/>
         </p:nvSpPr>
         <p:spPr>
           <a:xfrm>
-            <a:off x="6163348" y="2250979"/>
+            <a:off x="6231081" y="324946"/>
             <a:ext cx="1740111" cy="349404"/>
           </a:xfrm>
           <a:prstGeom prst="rect">
@@ -3493,186 +3488,6 @@
       </p:sp>
       <p:sp>
         <p:nvSpPr>
-          <p:cNvPr id="10" name="Rectangle 9"/>
-          <p:cNvSpPr/>
-          <p:nvPr/>
-        </p:nvSpPr>
-        <p:spPr>
-          <a:xfrm>
-            <a:off x="6163346" y="2774796"/>
-            <a:ext cx="1740111" cy="349404"/>
-          </a:xfrm>
-          <a:prstGeom prst="rect">
-            <a:avLst/>
-          </a:prstGeom>
-          <a:solidFill>
-            <a:schemeClr val="bg1"/>
-          </a:solidFill>
-          <a:ln>
-            <a:solidFill>
-              <a:schemeClr val="tx1"/>
-            </a:solidFill>
-          </a:ln>
-        </p:spPr>
-        <p:style>
-          <a:lnRef idx="2">
-            <a:schemeClr val="accent1">
-              <a:shade val="50000"/>
-            </a:schemeClr>
-          </a:lnRef>
-          <a:fillRef idx="1">
-            <a:schemeClr val="accent1"/>
-          </a:fillRef>
-          <a:effectRef idx="0">
-            <a:schemeClr val="accent1"/>
-          </a:effectRef>
-          <a:fontRef idx="minor">
-            <a:schemeClr val="lt1"/>
-          </a:fontRef>
-        </p:style>
-        <p:txBody>
-          <a:bodyPr rtlCol="0" anchor="ctr"/>
-          <a:lstStyle/>
-          <a:p>
-            <a:pPr algn="ctr"/>
-            <a:r>
-              <a:rPr lang="en-US" dirty="0" smtClean="0">
-                <a:solidFill>
-                  <a:schemeClr val="tx1"/>
-                </a:solidFill>
-              </a:rPr>
-              <a:t>scheduler</a:t>
-            </a:r>
-            <a:endParaRPr lang="en-US" dirty="0">
-              <a:solidFill>
-                <a:schemeClr val="tx1"/>
-              </a:solidFill>
-            </a:endParaRPr>
-          </a:p>
-        </p:txBody>
-      </p:sp>
-      <p:sp>
-        <p:nvSpPr>
-          <p:cNvPr id="11" name="Rectangle 10"/>
-          <p:cNvSpPr/>
-          <p:nvPr/>
-        </p:nvSpPr>
-        <p:spPr>
-          <a:xfrm>
-            <a:off x="6160213" y="1213491"/>
-            <a:ext cx="1740111" cy="349404"/>
-          </a:xfrm>
-          <a:prstGeom prst="rect">
-            <a:avLst/>
-          </a:prstGeom>
-          <a:solidFill>
-            <a:schemeClr val="bg1"/>
-          </a:solidFill>
-          <a:ln>
-            <a:solidFill>
-              <a:schemeClr val="tx1"/>
-            </a:solidFill>
-          </a:ln>
-        </p:spPr>
-        <p:style>
-          <a:lnRef idx="2">
-            <a:schemeClr val="accent1">
-              <a:shade val="50000"/>
-            </a:schemeClr>
-          </a:lnRef>
-          <a:fillRef idx="1">
-            <a:schemeClr val="accent1"/>
-          </a:fillRef>
-          <a:effectRef idx="0">
-            <a:schemeClr val="accent1"/>
-          </a:effectRef>
-          <a:fontRef idx="minor">
-            <a:schemeClr val="lt1"/>
-          </a:fontRef>
-        </p:style>
-        <p:txBody>
-          <a:bodyPr rtlCol="0" anchor="ctr"/>
-          <a:lstStyle/>
-          <a:p>
-            <a:pPr algn="ctr"/>
-            <a:r>
-              <a:rPr lang="en-US" dirty="0" smtClean="0">
-                <a:solidFill>
-                  <a:schemeClr val="tx1"/>
-                </a:solidFill>
-              </a:rPr>
-              <a:t>receiver</a:t>
-            </a:r>
-            <a:endParaRPr lang="en-US" dirty="0">
-              <a:solidFill>
-                <a:schemeClr val="tx1"/>
-              </a:solidFill>
-            </a:endParaRPr>
-          </a:p>
-        </p:txBody>
-      </p:sp>
-      <p:sp>
-        <p:nvSpPr>
-          <p:cNvPr id="12" name="Rectangle 11"/>
-          <p:cNvSpPr/>
-          <p:nvPr/>
-        </p:nvSpPr>
-        <p:spPr>
-          <a:xfrm>
-            <a:off x="6163347" y="1731415"/>
-            <a:ext cx="1740111" cy="349404"/>
-          </a:xfrm>
-          <a:prstGeom prst="rect">
-            <a:avLst/>
-          </a:prstGeom>
-          <a:solidFill>
-            <a:schemeClr val="bg1"/>
-          </a:solidFill>
-          <a:ln>
-            <a:solidFill>
-              <a:schemeClr val="tx1"/>
-            </a:solidFill>
-          </a:ln>
-        </p:spPr>
-        <p:style>
-          <a:lnRef idx="2">
-            <a:schemeClr val="accent1">
-              <a:shade val="50000"/>
-            </a:schemeClr>
-          </a:lnRef>
-          <a:fillRef idx="1">
-            <a:schemeClr val="accent1"/>
-          </a:fillRef>
-          <a:effectRef idx="0">
-            <a:schemeClr val="accent1"/>
-          </a:effectRef>
-          <a:fontRef idx="minor">
-            <a:schemeClr val="lt1"/>
-          </a:fontRef>
-        </p:style>
-        <p:txBody>
-          <a:bodyPr rtlCol="0" anchor="ctr"/>
-          <a:lstStyle/>
-          <a:p>
-            <a:pPr algn="ctr"/>
-            <a:r>
-              <a:rPr lang="en-US" dirty="0" smtClean="0">
-                <a:solidFill>
-                  <a:schemeClr val="tx1"/>
-                </a:solidFill>
-              </a:rPr>
-              <a:t>responder</a:t>
-            </a:r>
-            <a:endParaRPr lang="en-US" dirty="0">
-              <a:solidFill>
-                <a:schemeClr val="tx1"/>
-              </a:solidFill>
-            </a:endParaRPr>
-          </a:p>
-        </p:txBody>
-      </p:sp>
-      <p:sp>
-        <p:nvSpPr>
           <p:cNvPr id="13" name="Rectangle 12"/>
           <p:cNvSpPr/>
           <p:nvPr/>
@@ -3754,7 +3569,7 @@
         </p:nvSpPr>
         <p:spPr>
           <a:xfrm>
-            <a:off x="9177826" y="89134"/>
+            <a:off x="9179994" y="261112"/>
             <a:ext cx="1740111" cy="349404"/>
           </a:xfrm>
           <a:prstGeom prst="rect">
@@ -3814,7 +3629,7 @@
         </p:nvSpPr>
         <p:spPr>
           <a:xfrm>
-            <a:off x="9177826" y="674350"/>
+            <a:off x="9179994" y="696156"/>
             <a:ext cx="1740111" cy="349404"/>
           </a:xfrm>
           <a:prstGeom prst="rect">
@@ -3874,7 +3689,7 @@
         </p:nvSpPr>
         <p:spPr>
           <a:xfrm>
-            <a:off x="9177826" y="1259566"/>
+            <a:off x="9179994" y="1129296"/>
             <a:ext cx="1740111" cy="349404"/>
           </a:xfrm>
           <a:prstGeom prst="rect">
@@ -3916,67 +3731,7 @@
                   <a:schemeClr val="tx1"/>
                 </a:solidFill>
               </a:rPr>
-              <a:t>request queues</a:t>
-            </a:r>
-            <a:endParaRPr lang="en-US" dirty="0">
-              <a:solidFill>
-                <a:schemeClr val="tx1"/>
-              </a:solidFill>
-            </a:endParaRPr>
-          </a:p>
-        </p:txBody>
-      </p:sp>
-      <p:sp>
-        <p:nvSpPr>
-          <p:cNvPr id="17" name="Rectangle 16"/>
-          <p:cNvSpPr/>
-          <p:nvPr/>
-        </p:nvSpPr>
-        <p:spPr>
-          <a:xfrm>
-            <a:off x="6162850" y="3299316"/>
-            <a:ext cx="1740111" cy="349404"/>
-          </a:xfrm>
-          <a:prstGeom prst="rect">
-            <a:avLst/>
-          </a:prstGeom>
-          <a:solidFill>
-            <a:schemeClr val="bg1"/>
-          </a:solidFill>
-          <a:ln>
-            <a:solidFill>
-              <a:schemeClr val="tx1"/>
-            </a:solidFill>
-          </a:ln>
-        </p:spPr>
-        <p:style>
-          <a:lnRef idx="2">
-            <a:schemeClr val="accent1">
-              <a:shade val="50000"/>
-            </a:schemeClr>
-          </a:lnRef>
-          <a:fillRef idx="1">
-            <a:schemeClr val="accent1"/>
-          </a:fillRef>
-          <a:effectRef idx="0">
-            <a:schemeClr val="accent1"/>
-          </a:effectRef>
-          <a:fontRef idx="minor">
-            <a:schemeClr val="lt1"/>
-          </a:fontRef>
-        </p:style>
-        <p:txBody>
-          <a:bodyPr rtlCol="0" anchor="ctr"/>
-          <a:lstStyle/>
-          <a:p>
-            <a:pPr algn="ctr"/>
-            <a:r>
-              <a:rPr lang="en-US" dirty="0" smtClean="0">
-                <a:solidFill>
-                  <a:schemeClr val="tx1"/>
-                </a:solidFill>
-              </a:rPr>
-              <a:t>executor</a:t>
+              <a:t>job queue</a:t>
             </a:r>
             <a:endParaRPr lang="en-US" dirty="0">
               <a:solidFill>
@@ -3998,12 +3753,12 @@
         <p:spPr>
           <a:xfrm>
             <a:off x="2962560" y="1286078"/>
-            <a:ext cx="651398" cy="1010475"/>
+            <a:ext cx="1261672" cy="212884"/>
           </a:xfrm>
           <a:prstGeom prst="straightConnector1">
             <a:avLst/>
           </a:prstGeom>
-          <a:ln>
+          <a:ln w="19050" cmpd="dbl">
             <a:solidFill>
               <a:schemeClr val="tx1"/>
             </a:solidFill>
@@ -4036,14 +3791,14 @@
           <p:nvPr/>
         </p:nvCxnSpPr>
         <p:spPr>
-          <a:xfrm>
-            <a:off x="2962560" y="1831670"/>
-            <a:ext cx="651398" cy="464883"/>
+          <a:xfrm flipV="1">
+            <a:off x="2962560" y="1498962"/>
+            <a:ext cx="1261672" cy="332708"/>
           </a:xfrm>
           <a:prstGeom prst="straightConnector1">
             <a:avLst/>
           </a:prstGeom>
-          <a:ln>
+          <a:ln w="19050" cmpd="dbl">
             <a:solidFill>
               <a:schemeClr val="tx1"/>
             </a:solidFill>
@@ -4077,13 +3832,13 @@
         </p:nvCxnSpPr>
         <p:spPr>
           <a:xfrm flipV="1">
-            <a:off x="2962560" y="2296553"/>
-            <a:ext cx="651398" cy="626301"/>
+            <a:off x="2962560" y="1498962"/>
+            <a:ext cx="1261672" cy="1423892"/>
           </a:xfrm>
           <a:prstGeom prst="straightConnector1">
             <a:avLst/>
           </a:prstGeom>
-          <a:ln>
+          <a:ln w="19050" cmpd="dbl">
             <a:solidFill>
               <a:schemeClr val="tx1"/>
             </a:solidFill>
@@ -4117,13 +3872,13 @@
         </p:nvCxnSpPr>
         <p:spPr>
           <a:xfrm flipV="1">
-            <a:off x="2962560" y="2296553"/>
-            <a:ext cx="651398" cy="1171893"/>
+            <a:off x="2962560" y="1498962"/>
+            <a:ext cx="1261672" cy="1969484"/>
           </a:xfrm>
           <a:prstGeom prst="straightConnector1">
             <a:avLst/>
           </a:prstGeom>
-          <a:ln>
+          <a:ln w="19050" cmpd="dbl">
             <a:solidFill>
               <a:schemeClr val="tx1"/>
             </a:solidFill>
@@ -4150,15 +3905,15 @@
         <p:nvCxnSpPr>
           <p:cNvPr id="27" name="Straight Arrow Connector 26"/>
           <p:cNvCxnSpPr>
-            <a:stCxn id="151" idx="3"/>
+            <a:stCxn id="90" idx="0"/>
             <a:endCxn id="9" idx="1"/>
           </p:cNvCxnSpPr>
           <p:nvPr/>
         </p:nvCxnSpPr>
         <p:spPr>
           <a:xfrm flipV="1">
-            <a:off x="5354070" y="2425681"/>
-            <a:ext cx="809278" cy="1474050"/>
+            <a:off x="5091349" y="499648"/>
+            <a:ext cx="1139732" cy="2567204"/>
           </a:xfrm>
           <a:prstGeom prst="straightConnector1">
             <a:avLst/>
@@ -4168,7 +3923,7 @@
               <a:schemeClr val="tx1"/>
             </a:solidFill>
             <a:headEnd type="oval"/>
-            <a:tailEnd type="oval"/>
+            <a:tailEnd type="stealth"/>
           </a:ln>
         </p:spPr>
         <p:style>
@@ -4190,15 +3945,15 @@
         <p:nvCxnSpPr>
           <p:cNvPr id="29" name="Straight Arrow Connector 28"/>
           <p:cNvCxnSpPr>
-            <a:stCxn id="151" idx="3"/>
+            <a:stCxn id="90" idx="0"/>
             <a:endCxn id="10" idx="1"/>
           </p:cNvCxnSpPr>
           <p:nvPr/>
         </p:nvCxnSpPr>
         <p:spPr>
           <a:xfrm flipV="1">
-            <a:off x="5354070" y="2949498"/>
-            <a:ext cx="809276" cy="950233"/>
+            <a:off x="5091349" y="2472797"/>
+            <a:ext cx="1129832" cy="594055"/>
           </a:xfrm>
           <a:prstGeom prst="straightConnector1">
             <a:avLst/>
@@ -4208,127 +3963,7 @@
               <a:schemeClr val="tx1"/>
             </a:solidFill>
             <a:headEnd type="oval"/>
-            <a:tailEnd type="oval"/>
-          </a:ln>
-        </p:spPr>
-        <p:style>
-          <a:lnRef idx="1">
-            <a:schemeClr val="accent1"/>
-          </a:lnRef>
-          <a:fillRef idx="0">
-            <a:schemeClr val="accent1"/>
-          </a:fillRef>
-          <a:effectRef idx="0">
-            <a:schemeClr val="accent1"/>
-          </a:effectRef>
-          <a:fontRef idx="minor">
-            <a:schemeClr val="tx1"/>
-          </a:fontRef>
-        </p:style>
-      </p:cxnSp>
-      <p:cxnSp>
-        <p:nvCxnSpPr>
-          <p:cNvPr id="31" name="Straight Arrow Connector 30"/>
-          <p:cNvCxnSpPr>
-            <a:stCxn id="151" idx="3"/>
-            <a:endCxn id="11" idx="1"/>
-          </p:cNvCxnSpPr>
-          <p:nvPr/>
-        </p:nvCxnSpPr>
-        <p:spPr>
-          <a:xfrm flipV="1">
-            <a:off x="5354070" y="1388193"/>
-            <a:ext cx="806143" cy="2511538"/>
-          </a:xfrm>
-          <a:prstGeom prst="straightConnector1">
-            <a:avLst/>
-          </a:prstGeom>
-          <a:ln>
-            <a:solidFill>
-              <a:schemeClr val="tx1"/>
-            </a:solidFill>
-            <a:headEnd type="oval"/>
-            <a:tailEnd type="oval"/>
-          </a:ln>
-        </p:spPr>
-        <p:style>
-          <a:lnRef idx="1">
-            <a:schemeClr val="accent1"/>
-          </a:lnRef>
-          <a:fillRef idx="0">
-            <a:schemeClr val="accent1"/>
-          </a:fillRef>
-          <a:effectRef idx="0">
-            <a:schemeClr val="accent1"/>
-          </a:effectRef>
-          <a:fontRef idx="minor">
-            <a:schemeClr val="tx1"/>
-          </a:fontRef>
-        </p:style>
-      </p:cxnSp>
-      <p:cxnSp>
-        <p:nvCxnSpPr>
-          <p:cNvPr id="33" name="Straight Arrow Connector 32"/>
-          <p:cNvCxnSpPr>
-            <a:stCxn id="151" idx="3"/>
-            <a:endCxn id="12" idx="1"/>
-          </p:cNvCxnSpPr>
-          <p:nvPr/>
-        </p:nvCxnSpPr>
-        <p:spPr>
-          <a:xfrm flipV="1">
-            <a:off x="5354070" y="1906117"/>
-            <a:ext cx="809277" cy="1993614"/>
-          </a:xfrm>
-          <a:prstGeom prst="straightConnector1">
-            <a:avLst/>
-          </a:prstGeom>
-          <a:ln>
-            <a:solidFill>
-              <a:schemeClr val="tx1"/>
-            </a:solidFill>
-            <a:headEnd type="oval"/>
-            <a:tailEnd type="oval"/>
-          </a:ln>
-        </p:spPr>
-        <p:style>
-          <a:lnRef idx="1">
-            <a:schemeClr val="accent1"/>
-          </a:lnRef>
-          <a:fillRef idx="0">
-            <a:schemeClr val="accent1"/>
-          </a:fillRef>
-          <a:effectRef idx="0">
-            <a:schemeClr val="accent1"/>
-          </a:effectRef>
-          <a:fontRef idx="minor">
-            <a:schemeClr val="tx1"/>
-          </a:fontRef>
-        </p:style>
-      </p:cxnSp>
-      <p:cxnSp>
-        <p:nvCxnSpPr>
-          <p:cNvPr id="35" name="Straight Arrow Connector 34"/>
-          <p:cNvCxnSpPr>
-            <a:stCxn id="151" idx="3"/>
-            <a:endCxn id="17" idx="1"/>
-          </p:cNvCxnSpPr>
-          <p:nvPr/>
-        </p:nvCxnSpPr>
-        <p:spPr>
-          <a:xfrm flipV="1">
-            <a:off x="5354070" y="3474018"/>
-            <a:ext cx="808780" cy="425713"/>
-          </a:xfrm>
-          <a:prstGeom prst="straightConnector1">
-            <a:avLst/>
-          </a:prstGeom>
-          <a:ln>
-            <a:solidFill>
-              <a:schemeClr val="tx1"/>
-            </a:solidFill>
-            <a:headEnd type="oval"/>
-            <a:tailEnd type="oval"/>
+            <a:tailEnd type="stealth"/>
           </a:ln>
         </p:spPr>
         <p:style>
@@ -4357,8 +3992,8 @@
         </p:nvCxnSpPr>
         <p:spPr>
           <a:xfrm flipV="1">
-            <a:off x="7903459" y="263836"/>
-            <a:ext cx="1274367" cy="2161845"/>
+            <a:off x="7971192" y="435814"/>
+            <a:ext cx="1208802" cy="63834"/>
           </a:xfrm>
           <a:prstGeom prst="straightConnector1">
             <a:avLst/>
@@ -4396,9 +4031,9 @@
           <p:nvPr/>
         </p:nvCxnSpPr>
         <p:spPr>
-          <a:xfrm flipV="1">
-            <a:off x="7903459" y="849052"/>
-            <a:ext cx="1274367" cy="1576629"/>
+          <a:xfrm>
+            <a:off x="7971192" y="499648"/>
+            <a:ext cx="1208802" cy="371210"/>
           </a:xfrm>
           <a:prstGeom prst="straightConnector1">
             <a:avLst/>
@@ -4426,46 +4061,6 @@
           </a:fontRef>
         </p:style>
       </p:cxnSp>
-      <p:cxnSp>
-        <p:nvCxnSpPr>
-          <p:cNvPr id="41" name="Straight Arrow Connector 40"/>
-          <p:cNvCxnSpPr>
-            <a:stCxn id="9" idx="3"/>
-            <a:endCxn id="16" idx="1"/>
-          </p:cNvCxnSpPr>
-          <p:nvPr/>
-        </p:nvCxnSpPr>
-        <p:spPr>
-          <a:xfrm flipV="1">
-            <a:off x="7903459" y="1434268"/>
-            <a:ext cx="1274367" cy="991413"/>
-          </a:xfrm>
-          <a:prstGeom prst="straightConnector1">
-            <a:avLst/>
-          </a:prstGeom>
-          <a:ln>
-            <a:solidFill>
-              <a:schemeClr val="tx1"/>
-            </a:solidFill>
-            <a:headEnd type="oval"/>
-            <a:tailEnd type="oval"/>
-          </a:ln>
-        </p:spPr>
-        <p:style>
-          <a:lnRef idx="1">
-            <a:schemeClr val="accent1"/>
-          </a:lnRef>
-          <a:fillRef idx="0">
-            <a:schemeClr val="accent1"/>
-          </a:fillRef>
-          <a:effectRef idx="0">
-            <a:schemeClr val="accent1"/>
-          </a:effectRef>
-          <a:fontRef idx="minor">
-            <a:schemeClr val="tx1"/>
-          </a:fontRef>
-        </p:style>
-      </p:cxnSp>
       <p:sp>
         <p:nvSpPr>
           <p:cNvPr id="42" name="Rectangle 41"/>
@@ -4474,7 +4069,7 @@
         </p:nvSpPr>
         <p:spPr>
           <a:xfrm>
-            <a:off x="9177826" y="2362284"/>
+            <a:off x="9169480" y="2084194"/>
             <a:ext cx="1740111" cy="349404"/>
           </a:xfrm>
           <a:prstGeom prst="rect">
@@ -4511,12 +4106,12 @@
           <a:p>
             <a:pPr algn="ctr"/>
             <a:r>
-              <a:rPr lang="en-US" dirty="0" err="1" smtClean="0">
+              <a:rPr lang="en-US" dirty="0" smtClean="0">
                 <a:solidFill>
                   <a:schemeClr val="tx1"/>
                 </a:solidFill>
               </a:rPr>
-              <a:t>premigration</a:t>
+              <a:t>read</a:t>
             </a:r>
             <a:endParaRPr lang="en-US" dirty="0">
               <a:solidFill>
@@ -4534,7 +4129,7 @@
         </p:nvSpPr>
         <p:spPr>
           <a:xfrm>
-            <a:off x="9177826" y="2950125"/>
+            <a:off x="9169480" y="2672035"/>
             <a:ext cx="1740111" cy="349404"/>
           </a:xfrm>
           <a:prstGeom prst="rect">
@@ -4576,7 +4171,7 @@
                   <a:schemeClr val="tx1"/>
                 </a:solidFill>
               </a:rPr>
-              <a:t>recall</a:t>
+              <a:t>write</a:t>
             </a:r>
             <a:endParaRPr lang="en-US" dirty="0">
               <a:solidFill>
@@ -4594,7 +4189,7 @@
         </p:nvSpPr>
         <p:spPr>
           <a:xfrm>
-            <a:off x="9177826" y="3537966"/>
+            <a:off x="9169480" y="3259876"/>
             <a:ext cx="1740111" cy="349404"/>
           </a:xfrm>
           <a:prstGeom prst="rect">
@@ -4636,7 +4231,7 @@
                   <a:schemeClr val="tx1"/>
                 </a:solidFill>
               </a:rPr>
-              <a:t>reclaim</a:t>
+              <a:t>stub</a:t>
             </a:r>
             <a:endParaRPr lang="en-US" dirty="0">
               <a:solidFill>
@@ -4646,126 +4241,6 @@
           </a:p>
         </p:txBody>
       </p:sp>
-      <p:cxnSp>
-        <p:nvCxnSpPr>
-          <p:cNvPr id="46" name="Straight Arrow Connector 45"/>
-          <p:cNvCxnSpPr>
-            <a:stCxn id="17" idx="3"/>
-            <a:endCxn id="42" idx="1"/>
-          </p:cNvCxnSpPr>
-          <p:nvPr/>
-        </p:nvCxnSpPr>
-        <p:spPr>
-          <a:xfrm flipV="1">
-            <a:off x="7902961" y="2536986"/>
-            <a:ext cx="1274865" cy="937032"/>
-          </a:xfrm>
-          <a:prstGeom prst="straightConnector1">
-            <a:avLst/>
-          </a:prstGeom>
-          <a:ln>
-            <a:solidFill>
-              <a:schemeClr val="tx1"/>
-            </a:solidFill>
-            <a:headEnd type="oval"/>
-            <a:tailEnd type="oval"/>
-          </a:ln>
-        </p:spPr>
-        <p:style>
-          <a:lnRef idx="1">
-            <a:schemeClr val="accent1"/>
-          </a:lnRef>
-          <a:fillRef idx="0">
-            <a:schemeClr val="accent1"/>
-          </a:fillRef>
-          <a:effectRef idx="0">
-            <a:schemeClr val="accent1"/>
-          </a:effectRef>
-          <a:fontRef idx="minor">
-            <a:schemeClr val="tx1"/>
-          </a:fontRef>
-        </p:style>
-      </p:cxnSp>
-      <p:cxnSp>
-        <p:nvCxnSpPr>
-          <p:cNvPr id="48" name="Straight Arrow Connector 47"/>
-          <p:cNvCxnSpPr>
-            <a:stCxn id="17" idx="3"/>
-            <a:endCxn id="43" idx="1"/>
-          </p:cNvCxnSpPr>
-          <p:nvPr/>
-        </p:nvCxnSpPr>
-        <p:spPr>
-          <a:xfrm flipV="1">
-            <a:off x="7902961" y="3124827"/>
-            <a:ext cx="1274865" cy="349191"/>
-          </a:xfrm>
-          <a:prstGeom prst="straightConnector1">
-            <a:avLst/>
-          </a:prstGeom>
-          <a:ln>
-            <a:solidFill>
-              <a:schemeClr val="tx1"/>
-            </a:solidFill>
-            <a:headEnd type="oval"/>
-            <a:tailEnd type="oval"/>
-          </a:ln>
-        </p:spPr>
-        <p:style>
-          <a:lnRef idx="1">
-            <a:schemeClr val="accent1"/>
-          </a:lnRef>
-          <a:fillRef idx="0">
-            <a:schemeClr val="accent1"/>
-          </a:fillRef>
-          <a:effectRef idx="0">
-            <a:schemeClr val="accent1"/>
-          </a:effectRef>
-          <a:fontRef idx="minor">
-            <a:schemeClr val="tx1"/>
-          </a:fontRef>
-        </p:style>
-      </p:cxnSp>
-      <p:cxnSp>
-        <p:nvCxnSpPr>
-          <p:cNvPr id="51" name="Straight Arrow Connector 50"/>
-          <p:cNvCxnSpPr>
-            <a:stCxn id="17" idx="3"/>
-            <a:endCxn id="44" idx="1"/>
-          </p:cNvCxnSpPr>
-          <p:nvPr/>
-        </p:nvCxnSpPr>
-        <p:spPr>
-          <a:xfrm>
-            <a:off x="7902961" y="3474018"/>
-            <a:ext cx="1274865" cy="238650"/>
-          </a:xfrm>
-          <a:prstGeom prst="straightConnector1">
-            <a:avLst/>
-          </a:prstGeom>
-          <a:ln>
-            <a:solidFill>
-              <a:schemeClr val="tx1"/>
-            </a:solidFill>
-            <a:headEnd type="oval"/>
-            <a:tailEnd type="oval"/>
-          </a:ln>
-        </p:spPr>
-        <p:style>
-          <a:lnRef idx="1">
-            <a:schemeClr val="accent1"/>
-          </a:lnRef>
-          <a:fillRef idx="0">
-            <a:schemeClr val="accent1"/>
-          </a:fillRef>
-          <a:effectRef idx="0">
-            <a:schemeClr val="accent1"/>
-          </a:effectRef>
-          <a:fontRef idx="minor">
-            <a:schemeClr val="tx1"/>
-          </a:fontRef>
-        </p:style>
-      </p:cxnSp>
       <p:sp>
         <p:nvSpPr>
           <p:cNvPr id="52" name="Rectangle 51"/>
@@ -4774,7 +4249,7 @@
         </p:nvSpPr>
         <p:spPr>
           <a:xfrm>
-            <a:off x="9177826" y="4125807"/>
+            <a:off x="9169480" y="3847717"/>
             <a:ext cx="1740111" cy="349404"/>
           </a:xfrm>
           <a:prstGeom prst="rect">
@@ -4816,7 +4291,7 @@
                   <a:schemeClr val="tx1"/>
                 </a:solidFill>
               </a:rPr>
-              <a:t>stubbing</a:t>
+              <a:t>etc.</a:t>
             </a:r>
             <a:endParaRPr lang="en-US" dirty="0">
               <a:solidFill>
@@ -4826,46 +4301,6 @@
           </a:p>
         </p:txBody>
       </p:sp>
-      <p:cxnSp>
-        <p:nvCxnSpPr>
-          <p:cNvPr id="53" name="Straight Arrow Connector 52"/>
-          <p:cNvCxnSpPr>
-            <a:stCxn id="17" idx="3"/>
-            <a:endCxn id="52" idx="1"/>
-          </p:cNvCxnSpPr>
-          <p:nvPr/>
-        </p:nvCxnSpPr>
-        <p:spPr>
-          <a:xfrm>
-            <a:off x="7902961" y="3474018"/>
-            <a:ext cx="1274865" cy="826491"/>
-          </a:xfrm>
-          <a:prstGeom prst="straightConnector1">
-            <a:avLst/>
-          </a:prstGeom>
-          <a:ln>
-            <a:solidFill>
-              <a:schemeClr val="tx1"/>
-            </a:solidFill>
-            <a:headEnd type="oval"/>
-            <a:tailEnd type="oval"/>
-          </a:ln>
-        </p:spPr>
-        <p:style>
-          <a:lnRef idx="1">
-            <a:schemeClr val="accent1"/>
-          </a:lnRef>
-          <a:fillRef idx="0">
-            <a:schemeClr val="accent1"/>
-          </a:fillRef>
-          <a:effectRef idx="0">
-            <a:schemeClr val="accent1"/>
-          </a:effectRef>
-          <a:fontRef idx="minor">
-            <a:schemeClr val="tx1"/>
-          </a:fontRef>
-        </p:style>
-      </p:cxnSp>
       <p:sp>
         <p:nvSpPr>
           <p:cNvPr id="56" name="Rectangle 55"/>
@@ -5011,13 +4446,13 @@
         </p:nvCxnSpPr>
         <p:spPr>
           <a:xfrm flipV="1">
-            <a:off x="2962559" y="2296553"/>
-            <a:ext cx="651399" cy="1715329"/>
+            <a:off x="2962559" y="1498962"/>
+            <a:ext cx="1261673" cy="2512920"/>
           </a:xfrm>
           <a:prstGeom prst="straightConnector1">
             <a:avLst/>
           </a:prstGeom>
-          <a:ln>
+          <a:ln w="19050" cmpd="dbl">
             <a:solidFill>
               <a:schemeClr val="tx1"/>
             </a:solidFill>
@@ -5051,13 +4486,13 @@
         </p:nvCxnSpPr>
         <p:spPr>
           <a:xfrm flipV="1">
-            <a:off x="2962558" y="2296553"/>
-            <a:ext cx="651400" cy="2258765"/>
+            <a:off x="2962558" y="1498962"/>
+            <a:ext cx="1261674" cy="3056356"/>
           </a:xfrm>
           <a:prstGeom prst="straightConnector1">
             <a:avLst/>
           </a:prstGeom>
-          <a:ln>
+          <a:ln w="19050" cmpd="dbl">
             <a:solidFill>
               <a:schemeClr val="tx1"/>
             </a:solidFill>
@@ -5091,13 +4526,13 @@
         </p:nvCxnSpPr>
         <p:spPr>
           <a:xfrm flipV="1">
-            <a:off x="2962560" y="2296553"/>
-            <a:ext cx="651398" cy="80709"/>
+            <a:off x="2962560" y="1498962"/>
+            <a:ext cx="1261672" cy="878300"/>
           </a:xfrm>
           <a:prstGeom prst="straightConnector1">
             <a:avLst/>
           </a:prstGeom>
-          <a:ln>
+          <a:ln w="19050" cmpd="dbl">
             <a:solidFill>
               <a:schemeClr val="tx1"/>
             </a:solidFill>
@@ -5203,7 +4638,7 @@
         </p:nvSpPr>
         <p:spPr>
           <a:xfrm>
-            <a:off x="9177826" y="5382074"/>
+            <a:off x="9179994" y="5033620"/>
             <a:ext cx="1740111" cy="349404"/>
           </a:xfrm>
           <a:prstGeom prst="rect">
@@ -5263,46 +4698,6 @@
           </a:p>
         </p:txBody>
       </p:sp>
-      <p:cxnSp>
-        <p:nvCxnSpPr>
-          <p:cNvPr id="85" name="Straight Arrow Connector 84"/>
-          <p:cNvCxnSpPr>
-            <a:stCxn id="17" idx="3"/>
-            <a:endCxn id="84" idx="1"/>
-          </p:cNvCxnSpPr>
-          <p:nvPr/>
-        </p:nvCxnSpPr>
-        <p:spPr>
-          <a:xfrm>
-            <a:off x="7902961" y="3474018"/>
-            <a:ext cx="1274865" cy="2082758"/>
-          </a:xfrm>
-          <a:prstGeom prst="straightConnector1">
-            <a:avLst/>
-          </a:prstGeom>
-          <a:ln>
-            <a:solidFill>
-              <a:schemeClr val="tx1"/>
-            </a:solidFill>
-            <a:headEnd type="oval"/>
-            <a:tailEnd type="oval"/>
-          </a:ln>
-        </p:spPr>
-        <p:style>
-          <a:lnRef idx="1">
-            <a:schemeClr val="accent1"/>
-          </a:lnRef>
-          <a:fillRef idx="0">
-            <a:schemeClr val="accent1"/>
-          </a:fillRef>
-          <a:effectRef idx="0">
-            <a:schemeClr val="accent1"/>
-          </a:effectRef>
-          <a:fontRef idx="minor">
-            <a:schemeClr val="tx1"/>
-          </a:fontRef>
-        </p:style>
-      </p:cxnSp>
       <p:cxnSp>
         <p:nvCxnSpPr>
           <p:cNvPr id="88" name="Straight Arrow Connector 87"/>
@@ -5315,12 +4710,12 @@
         <p:spPr>
           <a:xfrm>
             <a:off x="2960501" y="746289"/>
-            <a:ext cx="653457" cy="1550264"/>
+            <a:ext cx="1263731" cy="752673"/>
           </a:xfrm>
           <a:prstGeom prst="straightConnector1">
             <a:avLst/>
           </a:prstGeom>
-          <a:ln>
+          <a:ln w="19050" cmpd="dbl">
             <a:solidFill>
               <a:schemeClr val="tx1"/>
             </a:solidFill>
@@ -5351,7 +4746,7 @@
         </p:nvSpPr>
         <p:spPr>
           <a:xfrm>
-            <a:off x="9177826" y="5973009"/>
+            <a:off x="9179994" y="5465686"/>
             <a:ext cx="1740111" cy="349404"/>
           </a:xfrm>
           <a:prstGeom prst="rect">
@@ -5406,46 +4801,6 @@
           </a:p>
         </p:txBody>
       </p:sp>
-      <p:cxnSp>
-        <p:nvCxnSpPr>
-          <p:cNvPr id="92" name="Straight Arrow Connector 91"/>
-          <p:cNvCxnSpPr>
-            <a:stCxn id="17" idx="3"/>
-            <a:endCxn id="91" idx="1"/>
-          </p:cNvCxnSpPr>
-          <p:nvPr/>
-        </p:nvCxnSpPr>
-        <p:spPr>
-          <a:xfrm>
-            <a:off x="7902961" y="3474018"/>
-            <a:ext cx="1274865" cy="2673693"/>
-          </a:xfrm>
-          <a:prstGeom prst="straightConnector1">
-            <a:avLst/>
-          </a:prstGeom>
-          <a:ln>
-            <a:solidFill>
-              <a:schemeClr val="tx1"/>
-            </a:solidFill>
-            <a:headEnd type="oval"/>
-            <a:tailEnd type="oval"/>
-          </a:ln>
-        </p:spPr>
-        <p:style>
-          <a:lnRef idx="1">
-            <a:schemeClr val="accent1"/>
-          </a:lnRef>
-          <a:fillRef idx="0">
-            <a:schemeClr val="accent1"/>
-          </a:fillRef>
-          <a:effectRef idx="0">
-            <a:schemeClr val="accent1"/>
-          </a:effectRef>
-          <a:fontRef idx="minor">
-            <a:schemeClr val="tx1"/>
-          </a:fontRef>
-        </p:style>
-      </p:cxnSp>
       <p:sp>
         <p:nvSpPr>
           <p:cNvPr id="95" name="Rectangle 94"/>
@@ -5532,13 +4887,13 @@
         </p:nvCxnSpPr>
         <p:spPr>
           <a:xfrm flipV="1">
-            <a:off x="2962557" y="2296553"/>
-            <a:ext cx="651401" cy="2802201"/>
+            <a:off x="2962557" y="1498962"/>
+            <a:ext cx="1261675" cy="3599792"/>
           </a:xfrm>
           <a:prstGeom prst="straightConnector1">
             <a:avLst/>
           </a:prstGeom>
-          <a:ln>
+          <a:ln w="19050" cmpd="dbl">
             <a:solidFill>
               <a:schemeClr val="tx1"/>
             </a:solidFill>
@@ -5625,15 +4980,15 @@
         <p:nvCxnSpPr>
           <p:cNvPr id="116" name="Straight Arrow Connector 115"/>
           <p:cNvCxnSpPr>
-            <a:stCxn id="151" idx="3"/>
+            <a:stCxn id="90" idx="2"/>
             <a:endCxn id="115" idx="1"/>
           </p:cNvCxnSpPr>
           <p:nvPr/>
         </p:nvCxnSpPr>
         <p:spPr>
           <a:xfrm>
-            <a:off x="5354070" y="3899731"/>
-            <a:ext cx="806144" cy="623327"/>
+            <a:off x="5091349" y="3416256"/>
+            <a:ext cx="1068865" cy="1106802"/>
           </a:xfrm>
           <a:prstGeom prst="straightConnector1">
             <a:avLst/>
@@ -5643,7 +4998,7 @@
               <a:schemeClr val="tx1"/>
             </a:solidFill>
             <a:headEnd type="oval"/>
-            <a:tailEnd type="oval"/>
+            <a:tailEnd type="stealth"/>
           </a:ln>
         </p:spPr>
         <p:style>
@@ -5669,7 +5024,7 @@
         </p:nvSpPr>
         <p:spPr>
           <a:xfrm>
-            <a:off x="4303389" y="6305159"/>
+            <a:off x="5173444" y="6348080"/>
             <a:ext cx="1740111" cy="349404"/>
           </a:xfrm>
           <a:prstGeom prst="rect">
@@ -5726,14 +5081,14 @@
           <p:cNvPr id="122" name="Straight Arrow Connector 121"/>
           <p:cNvCxnSpPr>
             <a:stCxn id="120" idx="0"/>
-            <a:endCxn id="151" idx="2"/>
+            <a:endCxn id="242" idx="2"/>
           </p:cNvCxnSpPr>
           <p:nvPr/>
         </p:nvCxnSpPr>
         <p:spPr>
           <a:xfrm flipV="1">
-            <a:off x="3082484" y="4074433"/>
-            <a:ext cx="1401531" cy="2231790"/>
+            <a:off x="3952539" y="5956819"/>
+            <a:ext cx="3665601" cy="392325"/>
           </a:xfrm>
           <a:prstGeom prst="straightConnector1">
             <a:avLst/>
@@ -5766,14 +5121,14 @@
           <p:cNvPr id="125" name="Straight Arrow Connector 124"/>
           <p:cNvCxnSpPr>
             <a:stCxn id="121" idx="0"/>
-            <a:endCxn id="151" idx="2"/>
+            <a:endCxn id="242" idx="2"/>
           </p:cNvCxnSpPr>
           <p:nvPr/>
         </p:nvCxnSpPr>
         <p:spPr>
-          <a:xfrm flipH="1" flipV="1">
-            <a:off x="4484015" y="4074433"/>
-            <a:ext cx="689430" cy="2230726"/>
+          <a:xfrm flipV="1">
+            <a:off x="6043500" y="5956819"/>
+            <a:ext cx="1574640" cy="391261"/>
           </a:xfrm>
           <a:prstGeom prst="straightConnector1">
             <a:avLst/>
@@ -5809,7 +5164,7 @@
         </p:nvSpPr>
         <p:spPr>
           <a:xfrm>
-            <a:off x="2212428" y="6306223"/>
+            <a:off x="3082483" y="6349144"/>
             <a:ext cx="1740111" cy="349404"/>
           </a:xfrm>
           <a:prstGeom prst="rect">
@@ -5873,7 +5228,7 @@
         <p:spPr>
           <a:xfrm flipH="1" flipV="1">
             <a:off x="2093079" y="5956819"/>
-            <a:ext cx="3080366" cy="348340"/>
+            <a:ext cx="3950421" cy="391261"/>
           </a:xfrm>
           <a:prstGeom prst="straightConnector1">
             <a:avLst/>
@@ -5913,7 +5268,7 @@
         <p:spPr>
           <a:xfrm flipH="1" flipV="1">
             <a:off x="2093079" y="5956819"/>
-            <a:ext cx="989405" cy="349404"/>
+            <a:ext cx="1859460" cy="392325"/>
           </a:xfrm>
           <a:prstGeom prst="straightConnector1">
             <a:avLst/>
@@ -5941,142 +5296,6 @@
           </a:fontRef>
         </p:style>
       </p:cxnSp>
-      <p:sp>
-        <p:nvSpPr>
-          <p:cNvPr id="151" name="Rectangle 150"/>
-          <p:cNvSpPr/>
-          <p:nvPr/>
-        </p:nvSpPr>
-        <p:spPr>
-          <a:xfrm>
-            <a:off x="3613959" y="3725029"/>
-            <a:ext cx="1740111" cy="349404"/>
-          </a:xfrm>
-          <a:prstGeom prst="rect">
-            <a:avLst/>
-          </a:prstGeom>
-          <a:noFill/>
-          <a:ln>
-            <a:solidFill>
-              <a:schemeClr val="tx1"/>
-            </a:solidFill>
-          </a:ln>
-        </p:spPr>
-        <p:style>
-          <a:lnRef idx="2">
-            <a:schemeClr val="accent1">
-              <a:shade val="50000"/>
-            </a:schemeClr>
-          </a:lnRef>
-          <a:fillRef idx="1">
-            <a:schemeClr val="accent1"/>
-          </a:fillRef>
-          <a:effectRef idx="0">
-            <a:schemeClr val="accent1"/>
-          </a:effectRef>
-          <a:fontRef idx="minor">
-            <a:schemeClr val="lt1"/>
-          </a:fontRef>
-        </p:style>
-        <p:txBody>
-          <a:bodyPr rtlCol="0" anchor="ctr"/>
-          <a:lstStyle/>
-          <a:p>
-            <a:pPr algn="ctr"/>
-            <a:r>
-              <a:rPr lang="en-US" dirty="0" err="1">
-                <a:solidFill>
-                  <a:schemeClr val="tx1"/>
-                </a:solidFill>
-              </a:rPr>
-              <a:t>ltfsdmd</a:t>
-            </a:r>
-            <a:endParaRPr lang="en-US" dirty="0">
-              <a:solidFill>
-                <a:schemeClr val="tx1"/>
-              </a:solidFill>
-            </a:endParaRPr>
-          </a:p>
-        </p:txBody>
-      </p:sp>
-      <p:cxnSp>
-        <p:nvCxnSpPr>
-          <p:cNvPr id="111" name="Straight Arrow Connector 110"/>
-          <p:cNvCxnSpPr>
-            <a:stCxn id="8" idx="2"/>
-            <a:endCxn id="151" idx="0"/>
-          </p:cNvCxnSpPr>
-          <p:nvPr/>
-        </p:nvCxnSpPr>
-        <p:spPr>
-          <a:xfrm>
-            <a:off x="4484014" y="2471255"/>
-            <a:ext cx="1" cy="1253774"/>
-          </a:xfrm>
-          <a:prstGeom prst="straightConnector1">
-            <a:avLst/>
-          </a:prstGeom>
-          <a:ln>
-            <a:solidFill>
-              <a:schemeClr val="tx1"/>
-            </a:solidFill>
-            <a:headEnd type="triangle"/>
-            <a:tailEnd type="triangle"/>
-          </a:ln>
-        </p:spPr>
-        <p:style>
-          <a:lnRef idx="1">
-            <a:schemeClr val="accent1"/>
-          </a:lnRef>
-          <a:fillRef idx="0">
-            <a:schemeClr val="accent1"/>
-          </a:fillRef>
-          <a:effectRef idx="0">
-            <a:schemeClr val="accent1"/>
-          </a:effectRef>
-          <a:fontRef idx="minor">
-            <a:schemeClr val="tx1"/>
-          </a:fontRef>
-        </p:style>
-      </p:cxnSp>
-      <p:sp>
-        <p:nvSpPr>
-          <p:cNvPr id="99" name="TextBox 98"/>
-          <p:cNvSpPr txBox="1"/>
-          <p:nvPr/>
-        </p:nvSpPr>
-        <p:spPr>
-          <a:xfrm rot="16200000">
-            <a:off x="3943332" y="2845942"/>
-            <a:ext cx="1081361" cy="461665"/>
-          </a:xfrm>
-          <a:prstGeom prst="rect">
-            <a:avLst/>
-          </a:prstGeom>
-          <a:noFill/>
-        </p:spPr>
-        <p:txBody>
-          <a:bodyPr wrap="square" rtlCol="0">
-            <a:spAutoFit/>
-          </a:bodyPr>
-          <a:lstStyle/>
-          <a:p>
-            <a:pPr algn="ctr"/>
-            <a:r>
-              <a:rPr lang="en-US" sz="1200" dirty="0" smtClean="0"/>
-              <a:t>IPC: TBD</a:t>
-            </a:r>
-          </a:p>
-          <a:p>
-            <a:pPr algn="ctr"/>
-            <a:r>
-              <a:rPr lang="en-US" sz="1200" dirty="0" smtClean="0"/>
-              <a:t>asynchronous</a:t>
-            </a:r>
-            <a:endParaRPr lang="en-US" sz="1200" dirty="0"/>
-          </a:p>
-        </p:txBody>
-      </p:sp>
       <p:sp>
         <p:nvSpPr>
           <p:cNvPr id="174" name="Rectangle 173"/>
@@ -6141,15 +5360,15 @@
         <p:nvCxnSpPr>
           <p:cNvPr id="175" name="Straight Arrow Connector 174"/>
           <p:cNvCxnSpPr>
-            <a:stCxn id="151" idx="3"/>
+            <a:stCxn id="90" idx="2"/>
             <a:endCxn id="174" idx="1"/>
           </p:cNvCxnSpPr>
           <p:nvPr/>
         </p:nvCxnSpPr>
         <p:spPr>
           <a:xfrm>
-            <a:off x="5354070" y="3899731"/>
-            <a:ext cx="806145" cy="98807"/>
+            <a:off x="5091349" y="3416256"/>
+            <a:ext cx="1068866" cy="582282"/>
           </a:xfrm>
           <a:prstGeom prst="straightConnector1">
             <a:avLst/>
@@ -6159,7 +5378,7 @@
               <a:schemeClr val="tx1"/>
             </a:solidFill>
             <a:headEnd type="oval"/>
-            <a:tailEnd type="oval"/>
+            <a:tailEnd type="stealth"/>
           </a:ln>
         </p:spPr>
         <p:style>
@@ -6241,15 +5460,15 @@
         <p:nvCxnSpPr>
           <p:cNvPr id="179" name="Straight Arrow Connector 178"/>
           <p:cNvCxnSpPr>
-            <a:stCxn id="151" idx="3"/>
+            <a:stCxn id="90" idx="2"/>
             <a:endCxn id="178" idx="1"/>
           </p:cNvCxnSpPr>
           <p:nvPr/>
         </p:nvCxnSpPr>
         <p:spPr>
           <a:xfrm>
-            <a:off x="5354070" y="3899731"/>
-            <a:ext cx="809280" cy="1150563"/>
+            <a:off x="5091349" y="3416256"/>
+            <a:ext cx="1072001" cy="1634038"/>
           </a:xfrm>
           <a:prstGeom prst="straightConnector1">
             <a:avLst/>
@@ -6259,7 +5478,7 @@
               <a:schemeClr val="tx1"/>
             </a:solidFill>
             <a:headEnd type="oval"/>
-            <a:tailEnd type="oval"/>
+            <a:tailEnd type="stealth"/>
           </a:ln>
         </p:spPr>
         <p:style>
@@ -6363,13 +5582,13 @@
         </p:nvCxnSpPr>
         <p:spPr>
           <a:xfrm flipV="1">
-            <a:off x="2960501" y="2296553"/>
-            <a:ext cx="653457" cy="3343835"/>
+            <a:off x="2960501" y="1498962"/>
+            <a:ext cx="1263731" cy="4141426"/>
           </a:xfrm>
           <a:prstGeom prst="straightConnector1">
             <a:avLst/>
           </a:prstGeom>
-          <a:ln>
+          <a:ln w="19050" cmpd="dbl">
             <a:solidFill>
               <a:schemeClr val="tx1"/>
             </a:solidFill>
@@ -6400,14 +5619,16 @@
         </p:nvSpPr>
         <p:spPr>
           <a:xfrm>
-            <a:off x="9177827" y="4714921"/>
+            <a:off x="9169481" y="4436831"/>
             <a:ext cx="859634" cy="349404"/>
           </a:xfrm>
           <a:prstGeom prst="rect">
             <a:avLst/>
           </a:prstGeom>
           <a:solidFill>
-            <a:schemeClr val="bg2"/>
+            <a:schemeClr val="bg1">
+              <a:lumMod val="75000"/>
+            </a:schemeClr>
           </a:solidFill>
           <a:ln>
             <a:solidFill>
@@ -6460,14 +5681,16 @@
         </p:nvSpPr>
         <p:spPr>
           <a:xfrm>
-            <a:off x="10057803" y="4714921"/>
+            <a:off x="10049457" y="4436831"/>
             <a:ext cx="859634" cy="349404"/>
           </a:xfrm>
           <a:prstGeom prst="rect">
             <a:avLst/>
           </a:prstGeom>
           <a:solidFill>
-            <a:schemeClr val="bg2"/>
+            <a:schemeClr val="bg1">
+              <a:lumMod val="75000"/>
+            </a:schemeClr>
           </a:solidFill>
           <a:ln>
             <a:solidFill>
@@ -6512,6 +5735,1262 @@
           </a:p>
         </p:txBody>
       </p:sp>
+      <p:sp>
+        <p:nvSpPr>
+          <p:cNvPr id="151" name="Rectangle 150"/>
+          <p:cNvSpPr/>
+          <p:nvPr/>
+        </p:nvSpPr>
+        <p:spPr>
+          <a:xfrm>
+            <a:off x="4218157" y="4682009"/>
+            <a:ext cx="1740111" cy="349404"/>
+          </a:xfrm>
+          <a:prstGeom prst="rect">
+            <a:avLst/>
+          </a:prstGeom>
+          <a:solidFill>
+            <a:schemeClr val="bg1"/>
+          </a:solidFill>
+          <a:ln w="19050" cmpd="dbl">
+            <a:solidFill>
+              <a:schemeClr val="tx1"/>
+            </a:solidFill>
+          </a:ln>
+        </p:spPr>
+        <p:style>
+          <a:lnRef idx="2">
+            <a:schemeClr val="accent1">
+              <a:shade val="50000"/>
+            </a:schemeClr>
+          </a:lnRef>
+          <a:fillRef idx="1">
+            <a:schemeClr val="accent1"/>
+          </a:fillRef>
+          <a:effectRef idx="0">
+            <a:schemeClr val="accent1"/>
+          </a:effectRef>
+          <a:fontRef idx="minor">
+            <a:schemeClr val="lt1"/>
+          </a:fontRef>
+        </p:style>
+        <p:txBody>
+          <a:bodyPr rtlCol="0" anchor="ctr"/>
+          <a:lstStyle/>
+          <a:p>
+            <a:pPr algn="ctr"/>
+            <a:r>
+              <a:rPr lang="en-US" dirty="0" err="1">
+                <a:solidFill>
+                  <a:schemeClr val="tx1"/>
+                </a:solidFill>
+              </a:rPr>
+              <a:t>ltfsdmd</a:t>
+            </a:r>
+            <a:endParaRPr lang="en-US" dirty="0">
+              <a:solidFill>
+                <a:schemeClr val="tx1"/>
+              </a:solidFill>
+            </a:endParaRPr>
+          </a:p>
+        </p:txBody>
+      </p:sp>
+      <p:sp>
+        <p:nvSpPr>
+          <p:cNvPr id="90" name="Rectangle 89"/>
+          <p:cNvSpPr/>
+          <p:nvPr/>
+        </p:nvSpPr>
+        <p:spPr>
+          <a:xfrm>
+            <a:off x="4221293" y="3066852"/>
+            <a:ext cx="1740111" cy="349404"/>
+          </a:xfrm>
+          <a:prstGeom prst="rect">
+            <a:avLst/>
+          </a:prstGeom>
+          <a:solidFill>
+            <a:schemeClr val="bg1"/>
+          </a:solidFill>
+          <a:ln>
+            <a:solidFill>
+              <a:schemeClr val="tx1"/>
+            </a:solidFill>
+          </a:ln>
+        </p:spPr>
+        <p:style>
+          <a:lnRef idx="2">
+            <a:schemeClr val="accent1">
+              <a:shade val="50000"/>
+            </a:schemeClr>
+          </a:lnRef>
+          <a:fillRef idx="1">
+            <a:schemeClr val="accent1"/>
+          </a:fillRef>
+          <a:effectRef idx="0">
+            <a:schemeClr val="accent1"/>
+          </a:effectRef>
+          <a:fontRef idx="minor">
+            <a:schemeClr val="lt1"/>
+          </a:fontRef>
+        </p:style>
+        <p:txBody>
+          <a:bodyPr rtlCol="0" anchor="ctr"/>
+          <a:lstStyle/>
+          <a:p>
+            <a:pPr algn="ctr"/>
+            <a:r>
+              <a:rPr lang="en-US" smtClean="0">
+                <a:solidFill>
+                  <a:schemeClr val="tx1"/>
+                </a:solidFill>
+              </a:rPr>
+              <a:t>Server</a:t>
+            </a:r>
+            <a:endParaRPr lang="en-US" dirty="0">
+              <a:solidFill>
+                <a:schemeClr val="tx1"/>
+              </a:solidFill>
+            </a:endParaRPr>
+          </a:p>
+        </p:txBody>
+      </p:sp>
+      <p:cxnSp>
+        <p:nvCxnSpPr>
+          <p:cNvPr id="93" name="Straight Arrow Connector 92"/>
+          <p:cNvCxnSpPr>
+            <a:stCxn id="90" idx="0"/>
+            <a:endCxn id="8" idx="2"/>
+          </p:cNvCxnSpPr>
+          <p:nvPr/>
+        </p:nvCxnSpPr>
+        <p:spPr>
+          <a:xfrm flipV="1">
+            <a:off x="5091349" y="1673664"/>
+            <a:ext cx="2939" cy="1393188"/>
+          </a:xfrm>
+          <a:prstGeom prst="straightConnector1">
+            <a:avLst/>
+          </a:prstGeom>
+          <a:ln>
+            <a:solidFill>
+              <a:schemeClr val="tx1"/>
+            </a:solidFill>
+            <a:headEnd type="oval"/>
+            <a:tailEnd type="stealth"/>
+          </a:ln>
+        </p:spPr>
+        <p:style>
+          <a:lnRef idx="1">
+            <a:schemeClr val="accent1"/>
+          </a:lnRef>
+          <a:fillRef idx="0">
+            <a:schemeClr val="accent1"/>
+          </a:fillRef>
+          <a:effectRef idx="0">
+            <a:schemeClr val="accent1"/>
+          </a:effectRef>
+          <a:fontRef idx="minor">
+            <a:schemeClr val="tx1"/>
+          </a:fontRef>
+        </p:style>
+      </p:cxnSp>
+      <p:cxnSp>
+        <p:nvCxnSpPr>
+          <p:cNvPr id="100" name="Straight Arrow Connector 99"/>
+          <p:cNvCxnSpPr>
+            <a:stCxn id="90" idx="0"/>
+            <a:endCxn id="98" idx="1"/>
+          </p:cNvCxnSpPr>
+          <p:nvPr/>
+        </p:nvCxnSpPr>
+        <p:spPr>
+          <a:xfrm flipV="1">
+            <a:off x="5091349" y="2971236"/>
+            <a:ext cx="1136564" cy="95616"/>
+          </a:xfrm>
+          <a:prstGeom prst="straightConnector1">
+            <a:avLst/>
+          </a:prstGeom>
+          <a:ln>
+            <a:solidFill>
+              <a:schemeClr val="tx1"/>
+            </a:solidFill>
+            <a:headEnd type="oval"/>
+            <a:tailEnd type="stealth"/>
+          </a:ln>
+        </p:spPr>
+        <p:style>
+          <a:lnRef idx="1">
+            <a:schemeClr val="accent1"/>
+          </a:lnRef>
+          <a:fillRef idx="0">
+            <a:schemeClr val="accent1"/>
+          </a:fillRef>
+          <a:effectRef idx="0">
+            <a:schemeClr val="accent1"/>
+          </a:effectRef>
+          <a:fontRef idx="minor">
+            <a:schemeClr val="tx1"/>
+          </a:fontRef>
+        </p:style>
+      </p:cxnSp>
+      <p:cxnSp>
+        <p:nvCxnSpPr>
+          <p:cNvPr id="140" name="Straight Arrow Connector 139"/>
+          <p:cNvCxnSpPr>
+            <a:stCxn id="8" idx="3"/>
+            <a:endCxn id="123" idx="1"/>
+          </p:cNvCxnSpPr>
+          <p:nvPr/>
+        </p:nvCxnSpPr>
+        <p:spPr>
+          <a:xfrm flipV="1">
+            <a:off x="5964343" y="993382"/>
+            <a:ext cx="271069" cy="505580"/>
+          </a:xfrm>
+          <a:prstGeom prst="straightConnector1">
+            <a:avLst/>
+          </a:prstGeom>
+          <a:ln>
+            <a:solidFill>
+              <a:schemeClr val="tx1"/>
+            </a:solidFill>
+            <a:headEnd type="oval"/>
+            <a:tailEnd type="stealth"/>
+          </a:ln>
+        </p:spPr>
+        <p:style>
+          <a:lnRef idx="1">
+            <a:schemeClr val="accent1"/>
+          </a:lnRef>
+          <a:fillRef idx="0">
+            <a:schemeClr val="accent1"/>
+          </a:fillRef>
+          <a:effectRef idx="0">
+            <a:schemeClr val="accent1"/>
+          </a:effectRef>
+          <a:fontRef idx="minor">
+            <a:schemeClr val="tx1"/>
+          </a:fontRef>
+        </p:style>
+      </p:cxnSp>
+      <p:cxnSp>
+        <p:nvCxnSpPr>
+          <p:cNvPr id="143" name="Straight Arrow Connector 142"/>
+          <p:cNvCxnSpPr>
+            <a:stCxn id="8" idx="3"/>
+            <a:endCxn id="124" idx="1"/>
+          </p:cNvCxnSpPr>
+          <p:nvPr/>
+        </p:nvCxnSpPr>
+        <p:spPr>
+          <a:xfrm flipV="1">
+            <a:off x="5964343" y="1485329"/>
+            <a:ext cx="266738" cy="13633"/>
+          </a:xfrm>
+          <a:prstGeom prst="straightConnector1">
+            <a:avLst/>
+          </a:prstGeom>
+          <a:ln>
+            <a:solidFill>
+              <a:schemeClr val="tx1"/>
+            </a:solidFill>
+            <a:headEnd type="oval"/>
+            <a:tailEnd type="stealth"/>
+          </a:ln>
+        </p:spPr>
+        <p:style>
+          <a:lnRef idx="1">
+            <a:schemeClr val="accent1"/>
+          </a:lnRef>
+          <a:fillRef idx="0">
+            <a:schemeClr val="accent1"/>
+          </a:fillRef>
+          <a:effectRef idx="0">
+            <a:schemeClr val="accent1"/>
+          </a:effectRef>
+          <a:fontRef idx="minor">
+            <a:schemeClr val="tx1"/>
+          </a:fontRef>
+        </p:style>
+      </p:cxnSp>
+      <p:cxnSp>
+        <p:nvCxnSpPr>
+          <p:cNvPr id="147" name="Straight Arrow Connector 146"/>
+          <p:cNvCxnSpPr>
+            <a:stCxn id="8" idx="3"/>
+            <a:endCxn id="128" idx="1"/>
+          </p:cNvCxnSpPr>
+          <p:nvPr/>
+        </p:nvCxnSpPr>
+        <p:spPr>
+          <a:xfrm>
+            <a:off x="5964343" y="1498962"/>
+            <a:ext cx="260401" cy="480101"/>
+          </a:xfrm>
+          <a:prstGeom prst="straightConnector1">
+            <a:avLst/>
+          </a:prstGeom>
+          <a:ln>
+            <a:solidFill>
+              <a:schemeClr val="tx1"/>
+            </a:solidFill>
+            <a:headEnd type="oval"/>
+            <a:tailEnd type="stealth"/>
+          </a:ln>
+        </p:spPr>
+        <p:style>
+          <a:lnRef idx="1">
+            <a:schemeClr val="accent1"/>
+          </a:lnRef>
+          <a:fillRef idx="0">
+            <a:schemeClr val="accent1"/>
+          </a:fillRef>
+          <a:effectRef idx="0">
+            <a:schemeClr val="accent1"/>
+          </a:effectRef>
+          <a:fontRef idx="minor">
+            <a:schemeClr val="tx1"/>
+          </a:fontRef>
+        </p:style>
+      </p:cxnSp>
+      <p:sp>
+        <p:nvSpPr>
+          <p:cNvPr id="8" name="Rectangle 7"/>
+          <p:cNvSpPr/>
+          <p:nvPr/>
+        </p:nvSpPr>
+        <p:spPr>
+          <a:xfrm>
+            <a:off x="4224232" y="1324260"/>
+            <a:ext cx="1740111" cy="349404"/>
+          </a:xfrm>
+          <a:prstGeom prst="rect">
+            <a:avLst/>
+          </a:prstGeom>
+          <a:solidFill>
+            <a:schemeClr val="bg1"/>
+          </a:solidFill>
+          <a:ln>
+            <a:solidFill>
+              <a:schemeClr val="tx1"/>
+            </a:solidFill>
+          </a:ln>
+        </p:spPr>
+        <p:style>
+          <a:lnRef idx="2">
+            <a:schemeClr val="accent1">
+              <a:shade val="50000"/>
+            </a:schemeClr>
+          </a:lnRef>
+          <a:fillRef idx="1">
+            <a:schemeClr val="accent1"/>
+          </a:fillRef>
+          <a:effectRef idx="0">
+            <a:schemeClr val="accent1"/>
+          </a:effectRef>
+          <a:fontRef idx="minor">
+            <a:schemeClr val="lt1"/>
+          </a:fontRef>
+        </p:style>
+        <p:txBody>
+          <a:bodyPr rtlCol="0" anchor="ctr"/>
+          <a:lstStyle/>
+          <a:p>
+            <a:pPr algn="ctr"/>
+            <a:r>
+              <a:rPr lang="en-US" dirty="0" smtClean="0">
+                <a:solidFill>
+                  <a:schemeClr val="tx1"/>
+                </a:solidFill>
+              </a:rPr>
+              <a:t>Receiver</a:t>
+            </a:r>
+            <a:endParaRPr lang="en-US" dirty="0">
+              <a:solidFill>
+                <a:schemeClr val="tx1"/>
+              </a:solidFill>
+            </a:endParaRPr>
+          </a:p>
+        </p:txBody>
+      </p:sp>
+      <p:cxnSp>
+        <p:nvCxnSpPr>
+          <p:cNvPr id="208" name="Straight Arrow Connector 207"/>
+          <p:cNvCxnSpPr>
+            <a:stCxn id="90" idx="2"/>
+            <a:endCxn id="151" idx="0"/>
+          </p:cNvCxnSpPr>
+          <p:nvPr/>
+        </p:nvCxnSpPr>
+        <p:spPr>
+          <a:xfrm flipH="1">
+            <a:off x="5088213" y="3416256"/>
+            <a:ext cx="3136" cy="1265753"/>
+          </a:xfrm>
+          <a:prstGeom prst="straightConnector1">
+            <a:avLst/>
+          </a:prstGeom>
+          <a:ln>
+            <a:solidFill>
+              <a:schemeClr val="tx1"/>
+            </a:solidFill>
+            <a:headEnd type="stealth"/>
+            <a:tailEnd type="oval"/>
+          </a:ln>
+        </p:spPr>
+        <p:style>
+          <a:lnRef idx="1">
+            <a:schemeClr val="accent1"/>
+          </a:lnRef>
+          <a:fillRef idx="0">
+            <a:schemeClr val="accent1"/>
+          </a:fillRef>
+          <a:effectRef idx="0">
+            <a:schemeClr val="accent1"/>
+          </a:effectRef>
+          <a:fontRef idx="minor">
+            <a:schemeClr val="tx1"/>
+          </a:fontRef>
+        </p:style>
+      </p:cxnSp>
+      <p:cxnSp>
+        <p:nvCxnSpPr>
+          <p:cNvPr id="211" name="Straight Arrow Connector 210"/>
+          <p:cNvCxnSpPr>
+            <a:stCxn id="123" idx="2"/>
+            <a:endCxn id="158" idx="1"/>
+          </p:cNvCxnSpPr>
+          <p:nvPr/>
+        </p:nvCxnSpPr>
+        <p:spPr>
+          <a:xfrm>
+            <a:off x="7105468" y="1168084"/>
+            <a:ext cx="1865890" cy="2088076"/>
+          </a:xfrm>
+          <a:prstGeom prst="straightConnector1">
+            <a:avLst/>
+          </a:prstGeom>
+          <a:ln>
+            <a:solidFill>
+              <a:schemeClr val="tx1"/>
+            </a:solidFill>
+            <a:headEnd type="oval"/>
+            <a:tailEnd type="oval"/>
+          </a:ln>
+        </p:spPr>
+        <p:style>
+          <a:lnRef idx="1">
+            <a:schemeClr val="accent1"/>
+          </a:lnRef>
+          <a:fillRef idx="0">
+            <a:schemeClr val="accent1"/>
+          </a:fillRef>
+          <a:effectRef idx="0">
+            <a:schemeClr val="accent1"/>
+          </a:effectRef>
+          <a:fontRef idx="minor">
+            <a:schemeClr val="tx1"/>
+          </a:fontRef>
+        </p:style>
+      </p:cxnSp>
+      <p:cxnSp>
+        <p:nvCxnSpPr>
+          <p:cNvPr id="214" name="Straight Arrow Connector 213"/>
+          <p:cNvCxnSpPr>
+            <a:stCxn id="124" idx="2"/>
+            <a:endCxn id="158" idx="1"/>
+          </p:cNvCxnSpPr>
+          <p:nvPr/>
+        </p:nvCxnSpPr>
+        <p:spPr>
+          <a:xfrm>
+            <a:off x="7101137" y="1660031"/>
+            <a:ext cx="1870221" cy="1596129"/>
+          </a:xfrm>
+          <a:prstGeom prst="straightConnector1">
+            <a:avLst/>
+          </a:prstGeom>
+          <a:ln>
+            <a:solidFill>
+              <a:schemeClr val="tx1"/>
+            </a:solidFill>
+            <a:headEnd type="oval"/>
+            <a:tailEnd type="oval"/>
+          </a:ln>
+        </p:spPr>
+        <p:style>
+          <a:lnRef idx="1">
+            <a:schemeClr val="accent1"/>
+          </a:lnRef>
+          <a:fillRef idx="0">
+            <a:schemeClr val="accent1"/>
+          </a:fillRef>
+          <a:effectRef idx="0">
+            <a:schemeClr val="accent1"/>
+          </a:effectRef>
+          <a:fontRef idx="minor">
+            <a:schemeClr val="tx1"/>
+          </a:fontRef>
+        </p:style>
+      </p:cxnSp>
+      <p:cxnSp>
+        <p:nvCxnSpPr>
+          <p:cNvPr id="217" name="Straight Arrow Connector 216"/>
+          <p:cNvCxnSpPr>
+            <a:stCxn id="128" idx="2"/>
+            <a:endCxn id="158" idx="1"/>
+          </p:cNvCxnSpPr>
+          <p:nvPr/>
+        </p:nvCxnSpPr>
+        <p:spPr>
+          <a:xfrm>
+            <a:off x="7094800" y="2153765"/>
+            <a:ext cx="1876558" cy="1102395"/>
+          </a:xfrm>
+          <a:prstGeom prst="straightConnector1">
+            <a:avLst/>
+          </a:prstGeom>
+          <a:ln>
+            <a:solidFill>
+              <a:schemeClr val="tx1"/>
+            </a:solidFill>
+            <a:headEnd type="oval"/>
+            <a:tailEnd type="oval"/>
+          </a:ln>
+        </p:spPr>
+        <p:style>
+          <a:lnRef idx="1">
+            <a:schemeClr val="accent1"/>
+          </a:lnRef>
+          <a:fillRef idx="0">
+            <a:schemeClr val="accent1"/>
+          </a:fillRef>
+          <a:effectRef idx="0">
+            <a:schemeClr val="accent1"/>
+          </a:effectRef>
+          <a:fontRef idx="minor">
+            <a:schemeClr val="tx1"/>
+          </a:fontRef>
+        </p:style>
+      </p:cxnSp>
+      <p:cxnSp>
+        <p:nvCxnSpPr>
+          <p:cNvPr id="220" name="Straight Arrow Connector 219"/>
+          <p:cNvCxnSpPr>
+            <a:stCxn id="10" idx="2"/>
+            <a:endCxn id="158" idx="1"/>
+          </p:cNvCxnSpPr>
+          <p:nvPr/>
+        </p:nvCxnSpPr>
+        <p:spPr>
+          <a:xfrm>
+            <a:off x="7091237" y="2647499"/>
+            <a:ext cx="1880121" cy="608661"/>
+          </a:xfrm>
+          <a:prstGeom prst="straightConnector1">
+            <a:avLst/>
+          </a:prstGeom>
+          <a:ln>
+            <a:solidFill>
+              <a:schemeClr val="tx1"/>
+            </a:solidFill>
+            <a:headEnd type="oval"/>
+            <a:tailEnd type="oval"/>
+          </a:ln>
+        </p:spPr>
+        <p:style>
+          <a:lnRef idx="1">
+            <a:schemeClr val="accent1"/>
+          </a:lnRef>
+          <a:fillRef idx="0">
+            <a:schemeClr val="accent1"/>
+          </a:fillRef>
+          <a:effectRef idx="0">
+            <a:schemeClr val="accent1"/>
+          </a:effectRef>
+          <a:fontRef idx="minor">
+            <a:schemeClr val="tx1"/>
+          </a:fontRef>
+        </p:style>
+      </p:cxnSp>
+      <p:cxnSp>
+        <p:nvCxnSpPr>
+          <p:cNvPr id="225" name="Curved Connector 224"/>
+          <p:cNvCxnSpPr>
+            <a:stCxn id="123" idx="3"/>
+            <a:endCxn id="98" idx="3"/>
+          </p:cNvCxnSpPr>
+          <p:nvPr/>
+        </p:nvCxnSpPr>
+        <p:spPr>
+          <a:xfrm flipH="1">
+            <a:off x="7968024" y="993382"/>
+            <a:ext cx="7499" cy="1977854"/>
+          </a:xfrm>
+          <a:prstGeom prst="curvedConnector3">
+            <a:avLst>
+              <a:gd name="adj1" fmla="val -9258128"/>
+            </a:avLst>
+          </a:prstGeom>
+          <a:ln>
+            <a:solidFill>
+              <a:schemeClr val="tx1"/>
+            </a:solidFill>
+            <a:headEnd type="none"/>
+            <a:tailEnd type="none"/>
+          </a:ln>
+        </p:spPr>
+        <p:style>
+          <a:lnRef idx="1">
+            <a:schemeClr val="accent1"/>
+          </a:lnRef>
+          <a:fillRef idx="0">
+            <a:schemeClr val="accent1"/>
+          </a:fillRef>
+          <a:effectRef idx="0">
+            <a:schemeClr val="accent1"/>
+          </a:effectRef>
+          <a:fontRef idx="minor">
+            <a:schemeClr val="tx1"/>
+          </a:fontRef>
+        </p:style>
+      </p:cxnSp>
+      <p:cxnSp>
+        <p:nvCxnSpPr>
+          <p:cNvPr id="227" name="Curved Connector 226"/>
+          <p:cNvCxnSpPr>
+            <a:stCxn id="124" idx="3"/>
+            <a:endCxn id="98" idx="3"/>
+          </p:cNvCxnSpPr>
+          <p:nvPr/>
+        </p:nvCxnSpPr>
+        <p:spPr>
+          <a:xfrm flipH="1">
+            <a:off x="7968024" y="1485329"/>
+            <a:ext cx="3168" cy="1485907"/>
+          </a:xfrm>
+          <a:prstGeom prst="curvedConnector3">
+            <a:avLst>
+              <a:gd name="adj1" fmla="val -17638889"/>
+            </a:avLst>
+          </a:prstGeom>
+          <a:ln>
+            <a:solidFill>
+              <a:schemeClr val="tx1"/>
+            </a:solidFill>
+            <a:headEnd type="none"/>
+            <a:tailEnd type="none"/>
+          </a:ln>
+        </p:spPr>
+        <p:style>
+          <a:lnRef idx="1">
+            <a:schemeClr val="accent1"/>
+          </a:lnRef>
+          <a:fillRef idx="0">
+            <a:schemeClr val="accent1"/>
+          </a:fillRef>
+          <a:effectRef idx="0">
+            <a:schemeClr val="accent1"/>
+          </a:effectRef>
+          <a:fontRef idx="minor">
+            <a:schemeClr val="tx1"/>
+          </a:fontRef>
+        </p:style>
+      </p:cxnSp>
+      <p:cxnSp>
+        <p:nvCxnSpPr>
+          <p:cNvPr id="231" name="Curved Connector 230"/>
+          <p:cNvCxnSpPr>
+            <a:stCxn id="128" idx="3"/>
+            <a:endCxn id="98" idx="3"/>
+          </p:cNvCxnSpPr>
+          <p:nvPr/>
+        </p:nvCxnSpPr>
+        <p:spPr>
+          <a:xfrm>
+            <a:off x="7964855" y="1979063"/>
+            <a:ext cx="3169" cy="992173"/>
+          </a:xfrm>
+          <a:prstGeom prst="curvedConnector3">
+            <a:avLst>
+              <a:gd name="adj1" fmla="val 12657084"/>
+            </a:avLst>
+          </a:prstGeom>
+          <a:ln>
+            <a:solidFill>
+              <a:schemeClr val="tx1"/>
+            </a:solidFill>
+            <a:headEnd type="none"/>
+            <a:tailEnd type="none"/>
+          </a:ln>
+        </p:spPr>
+        <p:style>
+          <a:lnRef idx="1">
+            <a:schemeClr val="accent1"/>
+          </a:lnRef>
+          <a:fillRef idx="0">
+            <a:schemeClr val="accent1"/>
+          </a:fillRef>
+          <a:effectRef idx="0">
+            <a:schemeClr val="accent1"/>
+          </a:effectRef>
+          <a:fontRef idx="minor">
+            <a:schemeClr val="tx1"/>
+          </a:fontRef>
+        </p:style>
+      </p:cxnSp>
+      <p:cxnSp>
+        <p:nvCxnSpPr>
+          <p:cNvPr id="235" name="Curved Connector 234"/>
+          <p:cNvCxnSpPr>
+            <a:stCxn id="10" idx="3"/>
+            <a:endCxn id="98" idx="3"/>
+          </p:cNvCxnSpPr>
+          <p:nvPr/>
+        </p:nvCxnSpPr>
+        <p:spPr>
+          <a:xfrm>
+            <a:off x="7961292" y="2472797"/>
+            <a:ext cx="6732" cy="498439"/>
+          </a:xfrm>
+          <a:prstGeom prst="curvedConnector3">
+            <a:avLst>
+              <a:gd name="adj1" fmla="val 3495722"/>
+            </a:avLst>
+          </a:prstGeom>
+          <a:ln>
+            <a:solidFill>
+              <a:schemeClr val="tx1"/>
+            </a:solidFill>
+            <a:headEnd type="none"/>
+            <a:tailEnd type="none"/>
+          </a:ln>
+        </p:spPr>
+        <p:style>
+          <a:lnRef idx="1">
+            <a:schemeClr val="accent1"/>
+          </a:lnRef>
+          <a:fillRef idx="0">
+            <a:schemeClr val="accent1"/>
+          </a:fillRef>
+          <a:effectRef idx="0">
+            <a:schemeClr val="accent1"/>
+          </a:effectRef>
+          <a:fontRef idx="minor">
+            <a:schemeClr val="tx1"/>
+          </a:fontRef>
+        </p:style>
+      </p:cxnSp>
+      <p:sp>
+        <p:nvSpPr>
+          <p:cNvPr id="10" name="Rectangle 9"/>
+          <p:cNvSpPr/>
+          <p:nvPr/>
+        </p:nvSpPr>
+        <p:spPr>
+          <a:xfrm>
+            <a:off x="6221181" y="2298095"/>
+            <a:ext cx="1740111" cy="349404"/>
+          </a:xfrm>
+          <a:prstGeom prst="rect">
+            <a:avLst/>
+          </a:prstGeom>
+          <a:solidFill>
+            <a:schemeClr val="bg1"/>
+          </a:solidFill>
+          <a:ln>
+            <a:solidFill>
+              <a:schemeClr val="tx1"/>
+            </a:solidFill>
+          </a:ln>
+        </p:spPr>
+        <p:style>
+          <a:lnRef idx="2">
+            <a:schemeClr val="accent1">
+              <a:shade val="50000"/>
+            </a:schemeClr>
+          </a:lnRef>
+          <a:fillRef idx="1">
+            <a:schemeClr val="accent1"/>
+          </a:fillRef>
+          <a:effectRef idx="0">
+            <a:schemeClr val="accent1"/>
+          </a:effectRef>
+          <a:fontRef idx="minor">
+            <a:schemeClr val="lt1"/>
+          </a:fontRef>
+        </p:style>
+        <p:txBody>
+          <a:bodyPr rtlCol="0" anchor="ctr"/>
+          <a:lstStyle/>
+          <a:p>
+            <a:pPr algn="ctr"/>
+            <a:r>
+              <a:rPr lang="en-US" dirty="0" err="1" smtClean="0">
+                <a:solidFill>
+                  <a:schemeClr val="tx1"/>
+                </a:solidFill>
+              </a:rPr>
+              <a:t>TransRecall</a:t>
+            </a:r>
+            <a:endParaRPr lang="en-US" dirty="0">
+              <a:solidFill>
+                <a:schemeClr val="tx1"/>
+              </a:solidFill>
+            </a:endParaRPr>
+          </a:p>
+        </p:txBody>
+      </p:sp>
+      <p:sp>
+        <p:nvSpPr>
+          <p:cNvPr id="98" name="Rectangle 97"/>
+          <p:cNvSpPr/>
+          <p:nvPr/>
+        </p:nvSpPr>
+        <p:spPr>
+          <a:xfrm>
+            <a:off x="6227913" y="2796534"/>
+            <a:ext cx="1740111" cy="349404"/>
+          </a:xfrm>
+          <a:prstGeom prst="rect">
+            <a:avLst/>
+          </a:prstGeom>
+          <a:solidFill>
+            <a:schemeClr val="bg1"/>
+          </a:solidFill>
+          <a:ln>
+            <a:solidFill>
+              <a:schemeClr val="tx1"/>
+            </a:solidFill>
+          </a:ln>
+        </p:spPr>
+        <p:style>
+          <a:lnRef idx="2">
+            <a:schemeClr val="accent1">
+              <a:shade val="50000"/>
+            </a:schemeClr>
+          </a:lnRef>
+          <a:fillRef idx="1">
+            <a:schemeClr val="accent1"/>
+          </a:fillRef>
+          <a:effectRef idx="0">
+            <a:schemeClr val="accent1"/>
+          </a:effectRef>
+          <a:fontRef idx="minor">
+            <a:schemeClr val="lt1"/>
+          </a:fontRef>
+        </p:style>
+        <p:txBody>
+          <a:bodyPr rtlCol="0" anchor="ctr"/>
+          <a:lstStyle/>
+          <a:p>
+            <a:pPr algn="ctr"/>
+            <a:r>
+              <a:rPr lang="en-US" dirty="0">
+                <a:solidFill>
+                  <a:schemeClr val="tx1"/>
+                </a:solidFill>
+              </a:rPr>
+              <a:t>S</a:t>
+            </a:r>
+            <a:r>
+              <a:rPr lang="en-US" smtClean="0">
+                <a:solidFill>
+                  <a:schemeClr val="tx1"/>
+                </a:solidFill>
+              </a:rPr>
+              <a:t>cheduler</a:t>
+            </a:r>
+            <a:endParaRPr lang="en-US" dirty="0">
+              <a:solidFill>
+                <a:schemeClr val="tx1"/>
+              </a:solidFill>
+            </a:endParaRPr>
+          </a:p>
+        </p:txBody>
+      </p:sp>
+      <p:sp>
+        <p:nvSpPr>
+          <p:cNvPr id="123" name="Rectangle 122"/>
+          <p:cNvSpPr/>
+          <p:nvPr/>
+        </p:nvSpPr>
+        <p:spPr>
+          <a:xfrm>
+            <a:off x="6235412" y="818680"/>
+            <a:ext cx="1740111" cy="349404"/>
+          </a:xfrm>
+          <a:prstGeom prst="rect">
+            <a:avLst/>
+          </a:prstGeom>
+          <a:solidFill>
+            <a:schemeClr val="bg1"/>
+          </a:solidFill>
+          <a:ln>
+            <a:solidFill>
+              <a:schemeClr val="tx1"/>
+            </a:solidFill>
+          </a:ln>
+        </p:spPr>
+        <p:style>
+          <a:lnRef idx="2">
+            <a:schemeClr val="accent1">
+              <a:shade val="50000"/>
+            </a:schemeClr>
+          </a:lnRef>
+          <a:fillRef idx="1">
+            <a:schemeClr val="accent1"/>
+          </a:fillRef>
+          <a:effectRef idx="0">
+            <a:schemeClr val="accent1"/>
+          </a:effectRef>
+          <a:fontRef idx="minor">
+            <a:schemeClr val="lt1"/>
+          </a:fontRef>
+        </p:style>
+        <p:txBody>
+          <a:bodyPr rtlCol="0" anchor="ctr"/>
+          <a:lstStyle/>
+          <a:p>
+            <a:pPr algn="ctr"/>
+            <a:r>
+              <a:rPr lang="en-US" smtClean="0">
+                <a:solidFill>
+                  <a:schemeClr val="tx1"/>
+                </a:solidFill>
+              </a:rPr>
+              <a:t>Migration</a:t>
+            </a:r>
+            <a:endParaRPr lang="en-US" dirty="0">
+              <a:solidFill>
+                <a:schemeClr val="tx1"/>
+              </a:solidFill>
+            </a:endParaRPr>
+          </a:p>
+        </p:txBody>
+      </p:sp>
+      <p:sp>
+        <p:nvSpPr>
+          <p:cNvPr id="124" name="Rectangle 123"/>
+          <p:cNvSpPr/>
+          <p:nvPr/>
+        </p:nvSpPr>
+        <p:spPr>
+          <a:xfrm>
+            <a:off x="6231081" y="1310627"/>
+            <a:ext cx="1740111" cy="349404"/>
+          </a:xfrm>
+          <a:prstGeom prst="rect">
+            <a:avLst/>
+          </a:prstGeom>
+          <a:solidFill>
+            <a:schemeClr val="bg1"/>
+          </a:solidFill>
+          <a:ln>
+            <a:solidFill>
+              <a:schemeClr val="tx1"/>
+            </a:solidFill>
+          </a:ln>
+        </p:spPr>
+        <p:style>
+          <a:lnRef idx="2">
+            <a:schemeClr val="accent1">
+              <a:shade val="50000"/>
+            </a:schemeClr>
+          </a:lnRef>
+          <a:fillRef idx="1">
+            <a:schemeClr val="accent1"/>
+          </a:fillRef>
+          <a:effectRef idx="0">
+            <a:schemeClr val="accent1"/>
+          </a:effectRef>
+          <a:fontRef idx="minor">
+            <a:schemeClr val="lt1"/>
+          </a:fontRef>
+        </p:style>
+        <p:txBody>
+          <a:bodyPr rtlCol="0" anchor="ctr"/>
+          <a:lstStyle/>
+          <a:p>
+            <a:pPr algn="ctr"/>
+            <a:r>
+              <a:rPr lang="en-US" dirty="0" err="1" smtClean="0">
+                <a:solidFill>
+                  <a:schemeClr val="tx1"/>
+                </a:solidFill>
+              </a:rPr>
+              <a:t>SelRecall</a:t>
+            </a:r>
+            <a:endParaRPr lang="en-US" dirty="0">
+              <a:solidFill>
+                <a:schemeClr val="tx1"/>
+              </a:solidFill>
+            </a:endParaRPr>
+          </a:p>
+        </p:txBody>
+      </p:sp>
+      <p:sp>
+        <p:nvSpPr>
+          <p:cNvPr id="128" name="Rectangle 127"/>
+          <p:cNvSpPr/>
+          <p:nvPr/>
+        </p:nvSpPr>
+        <p:spPr>
+          <a:xfrm>
+            <a:off x="6224744" y="1804361"/>
+            <a:ext cx="1740111" cy="349404"/>
+          </a:xfrm>
+          <a:prstGeom prst="rect">
+            <a:avLst/>
+          </a:prstGeom>
+          <a:solidFill>
+            <a:schemeClr val="bg1"/>
+          </a:solidFill>
+          <a:ln>
+            <a:solidFill>
+              <a:schemeClr val="tx1"/>
+            </a:solidFill>
+          </a:ln>
+        </p:spPr>
+        <p:style>
+          <a:lnRef idx="2">
+            <a:schemeClr val="accent1">
+              <a:shade val="50000"/>
+            </a:schemeClr>
+          </a:lnRef>
+          <a:fillRef idx="1">
+            <a:schemeClr val="accent1"/>
+          </a:fillRef>
+          <a:effectRef idx="0">
+            <a:schemeClr val="accent1"/>
+          </a:effectRef>
+          <a:fontRef idx="minor">
+            <a:schemeClr val="lt1"/>
+          </a:fontRef>
+        </p:style>
+        <p:txBody>
+          <a:bodyPr rtlCol="0" anchor="ctr"/>
+          <a:lstStyle/>
+          <a:p>
+            <a:pPr algn="ctr"/>
+            <a:r>
+              <a:rPr lang="en-US" sz="1400" dirty="0" smtClean="0">
+                <a:solidFill>
+                  <a:schemeClr val="tx1"/>
+                </a:solidFill>
+              </a:rPr>
+              <a:t>further operations</a:t>
+            </a:r>
+            <a:endParaRPr lang="en-US" sz="1400" dirty="0">
+              <a:solidFill>
+                <a:schemeClr val="tx1"/>
+              </a:solidFill>
+            </a:endParaRPr>
+          </a:p>
+        </p:txBody>
+      </p:sp>
+      <p:cxnSp>
+        <p:nvCxnSpPr>
+          <p:cNvPr id="264" name="Straight Arrow Connector 263"/>
+          <p:cNvCxnSpPr>
+            <a:stCxn id="123" idx="3"/>
+            <a:endCxn id="16" idx="1"/>
+          </p:cNvCxnSpPr>
+          <p:nvPr/>
+        </p:nvCxnSpPr>
+        <p:spPr>
+          <a:xfrm>
+            <a:off x="7975523" y="993382"/>
+            <a:ext cx="1204471" cy="310616"/>
+          </a:xfrm>
+          <a:prstGeom prst="straightConnector1">
+            <a:avLst/>
+          </a:prstGeom>
+          <a:ln>
+            <a:solidFill>
+              <a:schemeClr val="tx1"/>
+            </a:solidFill>
+            <a:headEnd type="none"/>
+            <a:tailEnd type="none"/>
+          </a:ln>
+        </p:spPr>
+        <p:style>
+          <a:lnRef idx="1">
+            <a:schemeClr val="accent1"/>
+          </a:lnRef>
+          <a:fillRef idx="0">
+            <a:schemeClr val="accent1"/>
+          </a:fillRef>
+          <a:effectRef idx="0">
+            <a:schemeClr val="accent1"/>
+          </a:effectRef>
+          <a:fontRef idx="minor">
+            <a:schemeClr val="tx1"/>
+          </a:fontRef>
+        </p:style>
+      </p:cxnSp>
+      <p:cxnSp>
+        <p:nvCxnSpPr>
+          <p:cNvPr id="266" name="Straight Arrow Connector 265"/>
+          <p:cNvCxnSpPr>
+            <a:stCxn id="124" idx="3"/>
+            <a:endCxn id="16" idx="1"/>
+          </p:cNvCxnSpPr>
+          <p:nvPr/>
+        </p:nvCxnSpPr>
+        <p:spPr>
+          <a:xfrm flipV="1">
+            <a:off x="7971192" y="1303998"/>
+            <a:ext cx="1208802" cy="181331"/>
+          </a:xfrm>
+          <a:prstGeom prst="straightConnector1">
+            <a:avLst/>
+          </a:prstGeom>
+          <a:ln>
+            <a:solidFill>
+              <a:schemeClr val="tx1"/>
+            </a:solidFill>
+            <a:headEnd type="none"/>
+            <a:tailEnd type="none"/>
+          </a:ln>
+        </p:spPr>
+        <p:style>
+          <a:lnRef idx="1">
+            <a:schemeClr val="accent1"/>
+          </a:lnRef>
+          <a:fillRef idx="0">
+            <a:schemeClr val="accent1"/>
+          </a:fillRef>
+          <a:effectRef idx="0">
+            <a:schemeClr val="accent1"/>
+          </a:effectRef>
+          <a:fontRef idx="minor">
+            <a:schemeClr val="tx1"/>
+          </a:fontRef>
+        </p:style>
+      </p:cxnSp>
+      <p:cxnSp>
+        <p:nvCxnSpPr>
+          <p:cNvPr id="272" name="Straight Arrow Connector 271"/>
+          <p:cNvCxnSpPr>
+            <a:stCxn id="128" idx="3"/>
+            <a:endCxn id="16" idx="1"/>
+          </p:cNvCxnSpPr>
+          <p:nvPr/>
+        </p:nvCxnSpPr>
+        <p:spPr>
+          <a:xfrm flipV="1">
+            <a:off x="7964855" y="1303998"/>
+            <a:ext cx="1215139" cy="675065"/>
+          </a:xfrm>
+          <a:prstGeom prst="straightConnector1">
+            <a:avLst/>
+          </a:prstGeom>
+          <a:ln>
+            <a:solidFill>
+              <a:schemeClr val="tx1"/>
+            </a:solidFill>
+            <a:headEnd type="none"/>
+            <a:tailEnd type="none"/>
+          </a:ln>
+        </p:spPr>
+        <p:style>
+          <a:lnRef idx="1">
+            <a:schemeClr val="accent1"/>
+          </a:lnRef>
+          <a:fillRef idx="0">
+            <a:schemeClr val="accent1"/>
+          </a:fillRef>
+          <a:effectRef idx="0">
+            <a:schemeClr val="accent1"/>
+          </a:effectRef>
+          <a:fontRef idx="minor">
+            <a:schemeClr val="tx1"/>
+          </a:fontRef>
+        </p:style>
+      </p:cxnSp>
+      <p:cxnSp>
+        <p:nvCxnSpPr>
+          <p:cNvPr id="276" name="Straight Arrow Connector 275"/>
+          <p:cNvCxnSpPr>
+            <a:stCxn id="10" idx="3"/>
+            <a:endCxn id="16" idx="1"/>
+          </p:cNvCxnSpPr>
+          <p:nvPr/>
+        </p:nvCxnSpPr>
+        <p:spPr>
+          <a:xfrm flipV="1">
+            <a:off x="7961292" y="1303998"/>
+            <a:ext cx="1218702" cy="1168799"/>
+          </a:xfrm>
+          <a:prstGeom prst="straightConnector1">
+            <a:avLst/>
+          </a:prstGeom>
+          <a:ln>
+            <a:solidFill>
+              <a:schemeClr val="tx1"/>
+            </a:solidFill>
+            <a:headEnd type="none"/>
+            <a:tailEnd type="none"/>
+          </a:ln>
+        </p:spPr>
+        <p:style>
+          <a:lnRef idx="1">
+            <a:schemeClr val="accent1"/>
+          </a:lnRef>
+          <a:fillRef idx="0">
+            <a:schemeClr val="accent1"/>
+          </a:fillRef>
+          <a:effectRef idx="0">
+            <a:schemeClr val="accent1"/>
+          </a:effectRef>
+          <a:fontRef idx="minor">
+            <a:schemeClr val="tx1"/>
+          </a:fontRef>
+        </p:style>
+      </p:cxnSp>
+      <p:cxnSp>
+        <p:nvCxnSpPr>
+          <p:cNvPr id="280" name="Straight Arrow Connector 279"/>
+          <p:cNvCxnSpPr>
+            <a:stCxn id="98" idx="3"/>
+            <a:endCxn id="16" idx="1"/>
+          </p:cNvCxnSpPr>
+          <p:nvPr/>
+        </p:nvCxnSpPr>
+        <p:spPr>
+          <a:xfrm flipV="1">
+            <a:off x="7968024" y="1303998"/>
+            <a:ext cx="1211970" cy="1667238"/>
+          </a:xfrm>
+          <a:prstGeom prst="straightConnector1">
+            <a:avLst/>
+          </a:prstGeom>
+          <a:ln>
+            <a:solidFill>
+              <a:schemeClr val="tx1"/>
+            </a:solidFill>
+            <a:headEnd type="none"/>
+            <a:tailEnd type="none"/>
+          </a:ln>
+        </p:spPr>
+        <p:style>
+          <a:lnRef idx="1">
+            <a:schemeClr val="accent1"/>
+          </a:lnRef>
+          <a:fillRef idx="0">
+            <a:schemeClr val="accent1"/>
+          </a:fillRef>
+          <a:effectRef idx="0">
+            <a:schemeClr val="accent1"/>
+          </a:effectRef>
+          <a:fontRef idx="minor">
+            <a:schemeClr val="tx1"/>
+          </a:fontRef>
+        </p:style>
+      </p:cxnSp>
     </p:spTree>
     <p:extLst>
       <p:ext uri="{BB962C8B-B14F-4D97-AF65-F5344CB8AC3E}">

--- a/documents/open ltfs overall.pptx
+++ b/documents/open ltfs overall.pptx
@@ -243,7 +243,7 @@
           <a:p>
             <a:fld id="{BC2A025D-D90C-1A40-BCF9-FD2E03D80E83}" type="datetimeFigureOut">
               <a:rPr lang="en-US" smtClean="0"/>
-              <a:t>1/16/17</a:t>
+              <a:t>1/18/17</a:t>
             </a:fld>
             <a:endParaRPr lang="en-US"/>
           </a:p>
@@ -413,7 +413,7 @@
           <a:p>
             <a:fld id="{BC2A025D-D90C-1A40-BCF9-FD2E03D80E83}" type="datetimeFigureOut">
               <a:rPr lang="en-US" smtClean="0"/>
-              <a:t>1/16/17</a:t>
+              <a:t>1/18/17</a:t>
             </a:fld>
             <a:endParaRPr lang="en-US"/>
           </a:p>
@@ -593,7 +593,7 @@
           <a:p>
             <a:fld id="{BC2A025D-D90C-1A40-BCF9-FD2E03D80E83}" type="datetimeFigureOut">
               <a:rPr lang="en-US" smtClean="0"/>
-              <a:t>1/16/17</a:t>
+              <a:t>1/18/17</a:t>
             </a:fld>
             <a:endParaRPr lang="en-US"/>
           </a:p>
@@ -763,7 +763,7 @@
           <a:p>
             <a:fld id="{BC2A025D-D90C-1A40-BCF9-FD2E03D80E83}" type="datetimeFigureOut">
               <a:rPr lang="en-US" smtClean="0"/>
-              <a:t>1/16/17</a:t>
+              <a:t>1/18/17</a:t>
             </a:fld>
             <a:endParaRPr lang="en-US"/>
           </a:p>
@@ -1009,7 +1009,7 @@
           <a:p>
             <a:fld id="{BC2A025D-D90C-1A40-BCF9-FD2E03D80E83}" type="datetimeFigureOut">
               <a:rPr lang="en-US" smtClean="0"/>
-              <a:t>1/16/17</a:t>
+              <a:t>1/18/17</a:t>
             </a:fld>
             <a:endParaRPr lang="en-US"/>
           </a:p>
@@ -1241,7 +1241,7 @@
           <a:p>
             <a:fld id="{BC2A025D-D90C-1A40-BCF9-FD2E03D80E83}" type="datetimeFigureOut">
               <a:rPr lang="en-US" smtClean="0"/>
-              <a:t>1/16/17</a:t>
+              <a:t>1/18/17</a:t>
             </a:fld>
             <a:endParaRPr lang="en-US"/>
           </a:p>
@@ -1608,7 +1608,7 @@
           <a:p>
             <a:fld id="{BC2A025D-D90C-1A40-BCF9-FD2E03D80E83}" type="datetimeFigureOut">
               <a:rPr lang="en-US" smtClean="0"/>
-              <a:t>1/16/17</a:t>
+              <a:t>1/18/17</a:t>
             </a:fld>
             <a:endParaRPr lang="en-US"/>
           </a:p>
@@ -1726,7 +1726,7 @@
           <a:p>
             <a:fld id="{BC2A025D-D90C-1A40-BCF9-FD2E03D80E83}" type="datetimeFigureOut">
               <a:rPr lang="en-US" smtClean="0"/>
-              <a:t>1/16/17</a:t>
+              <a:t>1/18/17</a:t>
             </a:fld>
             <a:endParaRPr lang="en-US"/>
           </a:p>
@@ -1821,7 +1821,7 @@
           <a:p>
             <a:fld id="{BC2A025D-D90C-1A40-BCF9-FD2E03D80E83}" type="datetimeFigureOut">
               <a:rPr lang="en-US" smtClean="0"/>
-              <a:t>1/16/17</a:t>
+              <a:t>1/18/17</a:t>
             </a:fld>
             <a:endParaRPr lang="en-US"/>
           </a:p>
@@ -2098,7 +2098,7 @@
           <a:p>
             <a:fld id="{BC2A025D-D90C-1A40-BCF9-FD2E03D80E83}" type="datetimeFigureOut">
               <a:rPr lang="en-US" smtClean="0"/>
-              <a:t>1/16/17</a:t>
+              <a:t>1/18/17</a:t>
             </a:fld>
             <a:endParaRPr lang="en-US"/>
           </a:p>
@@ -2351,7 +2351,7 @@
           <a:p>
             <a:fld id="{BC2A025D-D90C-1A40-BCF9-FD2E03D80E83}" type="datetimeFigureOut">
               <a:rPr lang="en-US" smtClean="0"/>
-              <a:t>1/16/17</a:t>
+              <a:t>1/18/17</a:t>
             </a:fld>
             <a:endParaRPr lang="en-US"/>
           </a:p>
@@ -2564,7 +2564,7 @@
           <a:p>
             <a:fld id="{BC2A025D-D90C-1A40-BCF9-FD2E03D80E83}" type="datetimeFigureOut">
               <a:rPr lang="en-US" smtClean="0"/>
-              <a:t>1/16/17</a:t>
+              <a:t>1/18/17</a:t>
             </a:fld>
             <a:endParaRPr lang="en-US"/>
           </a:p>
@@ -2955,14 +2955,6 @@
 <file path=ppt/slides/slide1.xml><?xml version="1.0" encoding="utf-8"?>
 <p:sld xmlns:a="http://schemas.openxmlformats.org/drawingml/2006/main" xmlns:r="http://schemas.openxmlformats.org/officeDocument/2006/relationships" xmlns:p="http://schemas.openxmlformats.org/presentationml/2006/main">
   <p:cSld>
-    <p:bg>
-      <p:bgPr>
-        <a:solidFill>
-          <a:schemeClr val="bg1"/>
-        </a:solidFill>
-        <a:effectLst/>
-      </p:bgPr>
-    </p:bg>
     <p:spTree>
       <p:nvGrpSpPr>
         <p:cNvPr id="1" name=""/>
@@ -2979,14 +2971,14 @@
       </p:grpSpPr>
       <p:sp>
         <p:nvSpPr>
-          <p:cNvPr id="242" name="Rectangle 241"/>
+          <p:cNvPr id="105" name="Rectangle 104"/>
           <p:cNvSpPr/>
           <p:nvPr/>
         </p:nvSpPr>
         <p:spPr>
           <a:xfrm>
-            <a:off x="3747013" y="140993"/>
-            <a:ext cx="7742254" cy="5815826"/>
+            <a:off x="7776376" y="6020653"/>
+            <a:ext cx="3784821" cy="769761"/>
           </a:xfrm>
           <a:prstGeom prst="rect">
             <a:avLst/>
@@ -2998,6 +2990,55 @@
             <a:solidFill>
               <a:schemeClr val="tx1"/>
             </a:solidFill>
+          </a:ln>
+        </p:spPr>
+        <p:style>
+          <a:lnRef idx="2">
+            <a:schemeClr val="accent1">
+              <a:shade val="50000"/>
+            </a:schemeClr>
+          </a:lnRef>
+          <a:fillRef idx="1">
+            <a:schemeClr val="accent1"/>
+          </a:fillRef>
+          <a:effectRef idx="0">
+            <a:schemeClr val="accent1"/>
+          </a:effectRef>
+          <a:fontRef idx="minor">
+            <a:schemeClr val="lt1"/>
+          </a:fontRef>
+        </p:style>
+        <p:txBody>
+          <a:bodyPr rtlCol="0" anchor="ctr"/>
+          <a:lstStyle/>
+          <a:p>
+            <a:pPr algn="ctr"/>
+            <a:endParaRPr lang="en-US"/>
+          </a:p>
+        </p:txBody>
+      </p:sp>
+      <p:sp>
+        <p:nvSpPr>
+          <p:cNvPr id="242" name="Rectangle 241"/>
+          <p:cNvSpPr/>
+          <p:nvPr/>
+        </p:nvSpPr>
+        <p:spPr>
+          <a:xfrm>
+            <a:off x="3747013" y="140993"/>
+            <a:ext cx="7814184" cy="5815826"/>
+          </a:xfrm>
+          <a:prstGeom prst="rect">
+            <a:avLst/>
+          </a:prstGeom>
+          <a:solidFill>
+            <a:schemeClr val="bg2"/>
+          </a:solidFill>
+          <a:ln cmpd="sng">
+            <a:solidFill>
+              <a:schemeClr val="tx1"/>
+            </a:solidFill>
+            <a:prstDash val="solid"/>
           </a:ln>
         </p:spPr>
         <p:style>
@@ -3044,8 +3085,8 @@
         </p:nvSpPr>
         <p:spPr>
           <a:xfrm>
-            <a:off x="8971358" y="1565414"/>
-            <a:ext cx="2139679" cy="3381492"/>
+            <a:off x="8971358" y="1868196"/>
+            <a:ext cx="2139679" cy="3078710"/>
           </a:xfrm>
           <a:prstGeom prst="rect">
             <a:avLst/>
@@ -3083,12 +3124,12 @@
           <a:p>
             <a:pPr algn="ctr"/>
             <a:r>
-              <a:rPr lang="en-US" dirty="0" smtClean="0">
+              <a:rPr lang="en-US" smtClean="0">
                 <a:solidFill>
                   <a:schemeClr val="tx1"/>
                 </a:solidFill>
               </a:rPr>
-              <a:t>API + connector</a:t>
+              <a:t>Connector (API)</a:t>
             </a:r>
             <a:endParaRPr lang="en-US" dirty="0">
               <a:solidFill>
@@ -3689,8 +3730,8 @@
         </p:nvSpPr>
         <p:spPr>
           <a:xfrm>
-            <a:off x="9179994" y="1129296"/>
-            <a:ext cx="1740111" cy="349404"/>
+            <a:off x="9179994" y="1129295"/>
+            <a:ext cx="1740111" cy="647065"/>
           </a:xfrm>
           <a:prstGeom prst="rect">
             <a:avLst/>
@@ -3726,14 +3767,29 @@
           <a:p>
             <a:pPr algn="ctr"/>
             <a:r>
-              <a:rPr lang="en-US" dirty="0" smtClean="0">
+              <a:rPr lang="en-US" sz="1600" dirty="0" smtClean="0">
                 <a:solidFill>
                   <a:schemeClr val="tx1"/>
                 </a:solidFill>
               </a:rPr>
-              <a:t>job queue</a:t>
-            </a:r>
-            <a:endParaRPr lang="en-US" dirty="0">
+              <a:t>JOB_QUEUE</a:t>
+            </a:r>
+            <a:br>
+              <a:rPr lang="en-US" sz="1600" dirty="0" smtClean="0">
+                <a:solidFill>
+                  <a:schemeClr val="tx1"/>
+                </a:solidFill>
+              </a:rPr>
+            </a:br>
+            <a:r>
+              <a:rPr lang="en-US" sz="1600" dirty="0" smtClean="0">
+                <a:solidFill>
+                  <a:schemeClr val="tx1"/>
+                </a:solidFill>
+              </a:rPr>
+              <a:t>REQUEST_QUEUE</a:t>
+            </a:r>
+            <a:endParaRPr lang="en-US" sz="1600" dirty="0">
               <a:solidFill>
                 <a:schemeClr val="tx1"/>
               </a:solidFill>
@@ -3753,15 +3809,16 @@
         <p:spPr>
           <a:xfrm>
             <a:off x="2962560" y="1286078"/>
-            <a:ext cx="1261672" cy="212884"/>
+            <a:ext cx="1255565" cy="1073044"/>
           </a:xfrm>
           <a:prstGeom prst="straightConnector1">
             <a:avLst/>
           </a:prstGeom>
-          <a:ln w="19050" cmpd="dbl">
-            <a:solidFill>
-              <a:schemeClr val="tx1"/>
-            </a:solidFill>
+          <a:ln w="6350" cmpd="sng">
+            <a:solidFill>
+              <a:schemeClr val="tx1"/>
+            </a:solidFill>
+            <a:prstDash val="dash"/>
             <a:headEnd type="triangle"/>
             <a:tailEnd type="triangle"/>
           </a:ln>
@@ -3791,17 +3848,18 @@
           <p:nvPr/>
         </p:nvCxnSpPr>
         <p:spPr>
-          <a:xfrm flipV="1">
-            <a:off x="2962560" y="1498962"/>
-            <a:ext cx="1261672" cy="332708"/>
+          <a:xfrm>
+            <a:off x="2962560" y="1831670"/>
+            <a:ext cx="1255565" cy="527452"/>
           </a:xfrm>
           <a:prstGeom prst="straightConnector1">
             <a:avLst/>
           </a:prstGeom>
-          <a:ln w="19050" cmpd="dbl">
-            <a:solidFill>
-              <a:schemeClr val="tx1"/>
-            </a:solidFill>
+          <a:ln w="6350" cmpd="sng">
+            <a:solidFill>
+              <a:schemeClr val="tx1"/>
+            </a:solidFill>
+            <a:prstDash val="dash"/>
             <a:headEnd type="triangle"/>
             <a:tailEnd type="triangle"/>
           </a:ln>
@@ -3832,16 +3890,17 @@
         </p:nvCxnSpPr>
         <p:spPr>
           <a:xfrm flipV="1">
-            <a:off x="2962560" y="1498962"/>
-            <a:ext cx="1261672" cy="1423892"/>
+            <a:off x="2962560" y="2359122"/>
+            <a:ext cx="1255565" cy="563732"/>
           </a:xfrm>
           <a:prstGeom prst="straightConnector1">
             <a:avLst/>
           </a:prstGeom>
-          <a:ln w="19050" cmpd="dbl">
-            <a:solidFill>
-              <a:schemeClr val="tx1"/>
-            </a:solidFill>
+          <a:ln w="6350" cmpd="sng">
+            <a:solidFill>
+              <a:schemeClr val="tx1"/>
+            </a:solidFill>
+            <a:prstDash val="dash"/>
             <a:headEnd type="triangle"/>
             <a:tailEnd type="triangle"/>
           </a:ln>
@@ -3872,16 +3931,17 @@
         </p:nvCxnSpPr>
         <p:spPr>
           <a:xfrm flipV="1">
-            <a:off x="2962560" y="1498962"/>
-            <a:ext cx="1261672" cy="1969484"/>
+            <a:off x="2962560" y="2359122"/>
+            <a:ext cx="1255565" cy="1109324"/>
           </a:xfrm>
           <a:prstGeom prst="straightConnector1">
             <a:avLst/>
           </a:prstGeom>
-          <a:ln w="19050" cmpd="dbl">
-            <a:solidFill>
-              <a:schemeClr val="tx1"/>
-            </a:solidFill>
+          <a:ln w="6350" cmpd="sng">
+            <a:solidFill>
+              <a:schemeClr val="tx1"/>
+            </a:solidFill>
+            <a:prstDash val="dash"/>
             <a:headEnd type="triangle"/>
             <a:tailEnd type="triangle"/>
           </a:ln>
@@ -3918,10 +3978,11 @@
           <a:prstGeom prst="straightConnector1">
             <a:avLst/>
           </a:prstGeom>
-          <a:ln>
-            <a:solidFill>
-              <a:schemeClr val="tx1"/>
-            </a:solidFill>
+          <a:ln cmpd="sng">
+            <a:solidFill>
+              <a:schemeClr val="tx1"/>
+            </a:solidFill>
+            <a:prstDash val="lgDashDotDot"/>
             <a:headEnd type="oval"/>
             <a:tailEnd type="stealth"/>
           </a:ln>
@@ -3958,10 +4019,11 @@
           <a:prstGeom prst="straightConnector1">
             <a:avLst/>
           </a:prstGeom>
-          <a:ln>
-            <a:solidFill>
-              <a:schemeClr val="tx1"/>
-            </a:solidFill>
+          <a:ln cmpd="sng">
+            <a:solidFill>
+              <a:schemeClr val="tx1"/>
+            </a:solidFill>
+            <a:prstDash val="lgDashDotDot"/>
             <a:headEnd type="oval"/>
             <a:tailEnd type="stealth"/>
           </a:ln>
@@ -4069,7 +4131,7 @@
         </p:nvSpPr>
         <p:spPr>
           <a:xfrm>
-            <a:off x="9169480" y="2084194"/>
+            <a:off x="9155129" y="2352443"/>
             <a:ext cx="1740111" cy="349404"/>
           </a:xfrm>
           <a:prstGeom prst="rect">
@@ -4129,7 +4191,7 @@
         </p:nvSpPr>
         <p:spPr>
           <a:xfrm>
-            <a:off x="9169480" y="2672035"/>
+            <a:off x="9155130" y="2873692"/>
             <a:ext cx="1740111" cy="349404"/>
           </a:xfrm>
           <a:prstGeom prst="rect">
@@ -4189,7 +4251,7 @@
         </p:nvSpPr>
         <p:spPr>
           <a:xfrm>
-            <a:off x="9169480" y="3259876"/>
+            <a:off x="9155131" y="3394973"/>
             <a:ext cx="1740111" cy="349404"/>
           </a:xfrm>
           <a:prstGeom prst="rect">
@@ -4249,7 +4311,7 @@
         </p:nvSpPr>
         <p:spPr>
           <a:xfrm>
-            <a:off x="9169480" y="3847717"/>
+            <a:off x="9159059" y="3918051"/>
             <a:ext cx="1740111" cy="349404"/>
           </a:xfrm>
           <a:prstGeom prst="rect">
@@ -4446,16 +4508,17 @@
         </p:nvCxnSpPr>
         <p:spPr>
           <a:xfrm flipV="1">
-            <a:off x="2962559" y="1498962"/>
-            <a:ext cx="1261673" cy="2512920"/>
+            <a:off x="2962559" y="2359122"/>
+            <a:ext cx="1255566" cy="1652760"/>
           </a:xfrm>
           <a:prstGeom prst="straightConnector1">
             <a:avLst/>
           </a:prstGeom>
-          <a:ln w="19050" cmpd="dbl">
-            <a:solidFill>
-              <a:schemeClr val="tx1"/>
-            </a:solidFill>
+          <a:ln w="6350" cmpd="sng">
+            <a:solidFill>
+              <a:schemeClr val="tx1"/>
+            </a:solidFill>
+            <a:prstDash val="dash"/>
             <a:headEnd type="triangle"/>
             <a:tailEnd type="triangle"/>
           </a:ln>
@@ -4486,16 +4549,17 @@
         </p:nvCxnSpPr>
         <p:spPr>
           <a:xfrm flipV="1">
-            <a:off x="2962558" y="1498962"/>
-            <a:ext cx="1261674" cy="3056356"/>
+            <a:off x="2962558" y="2359122"/>
+            <a:ext cx="1255567" cy="2196196"/>
           </a:xfrm>
           <a:prstGeom prst="straightConnector1">
             <a:avLst/>
           </a:prstGeom>
-          <a:ln w="19050" cmpd="dbl">
-            <a:solidFill>
-              <a:schemeClr val="tx1"/>
-            </a:solidFill>
+          <a:ln w="6350" cmpd="sng">
+            <a:solidFill>
+              <a:schemeClr val="tx1"/>
+            </a:solidFill>
+            <a:prstDash val="dash"/>
             <a:headEnd type="triangle"/>
             <a:tailEnd type="triangle"/>
           </a:ln>
@@ -4526,16 +4590,17 @@
         </p:nvCxnSpPr>
         <p:spPr>
           <a:xfrm flipV="1">
-            <a:off x="2962560" y="1498962"/>
-            <a:ext cx="1261672" cy="878300"/>
+            <a:off x="2962560" y="2359122"/>
+            <a:ext cx="1255565" cy="18140"/>
           </a:xfrm>
           <a:prstGeom prst="straightConnector1">
             <a:avLst/>
           </a:prstGeom>
-          <a:ln w="19050" cmpd="dbl">
-            <a:solidFill>
-              <a:schemeClr val="tx1"/>
-            </a:solidFill>
+          <a:ln w="6350" cmpd="sng">
+            <a:solidFill>
+              <a:schemeClr val="tx1"/>
+            </a:solidFill>
+            <a:prstDash val="dash"/>
             <a:headEnd type="triangle"/>
             <a:tailEnd type="triangle"/>
           </a:ln>
@@ -4710,15 +4775,16 @@
         <p:spPr>
           <a:xfrm>
             <a:off x="2960501" y="746289"/>
-            <a:ext cx="1263731" cy="752673"/>
+            <a:ext cx="1257624" cy="1612833"/>
           </a:xfrm>
           <a:prstGeom prst="straightConnector1">
             <a:avLst/>
           </a:prstGeom>
-          <a:ln w="19050" cmpd="dbl">
-            <a:solidFill>
-              <a:schemeClr val="tx1"/>
-            </a:solidFill>
+          <a:ln w="6350" cmpd="sng">
+            <a:solidFill>
+              <a:schemeClr val="tx1"/>
+            </a:solidFill>
+            <a:prstDash val="dash"/>
             <a:headEnd type="triangle"/>
             <a:tailEnd type="triangle"/>
           </a:ln>
@@ -4887,16 +4953,17 @@
         </p:nvCxnSpPr>
         <p:spPr>
           <a:xfrm flipV="1">
-            <a:off x="2962557" y="1498962"/>
-            <a:ext cx="1261675" cy="3599792"/>
+            <a:off x="2962557" y="2359122"/>
+            <a:ext cx="1255568" cy="2739632"/>
           </a:xfrm>
           <a:prstGeom prst="straightConnector1">
             <a:avLst/>
           </a:prstGeom>
-          <a:ln w="19050" cmpd="dbl">
-            <a:solidFill>
-              <a:schemeClr val="tx1"/>
-            </a:solidFill>
+          <a:ln w="6350" cmpd="sng">
+            <a:solidFill>
+              <a:schemeClr val="tx1"/>
+            </a:solidFill>
+            <a:prstDash val="dash"/>
             <a:headEnd type="triangle"/>
             <a:tailEnd type="triangle"/>
           </a:ln>
@@ -4993,10 +5060,11 @@
           <a:prstGeom prst="straightConnector1">
             <a:avLst/>
           </a:prstGeom>
-          <a:ln>
-            <a:solidFill>
-              <a:schemeClr val="tx1"/>
-            </a:solidFill>
+          <a:ln cmpd="sng">
+            <a:solidFill>
+              <a:schemeClr val="tx1"/>
+            </a:solidFill>
+            <a:prstDash val="lgDashDotDot"/>
             <a:headEnd type="oval"/>
             <a:tailEnd type="stealth"/>
           </a:ln>
@@ -5088,7 +5156,7 @@
         <p:spPr>
           <a:xfrm flipV="1">
             <a:off x="3952539" y="5956819"/>
-            <a:ext cx="3665601" cy="392325"/>
+            <a:ext cx="3701566" cy="392325"/>
           </a:xfrm>
           <a:prstGeom prst="straightConnector1">
             <a:avLst/>
@@ -5128,7 +5196,7 @@
         <p:spPr>
           <a:xfrm flipV="1">
             <a:off x="6043500" y="5956819"/>
-            <a:ext cx="1574640" cy="391261"/>
+            <a:ext cx="1610605" cy="391261"/>
           </a:xfrm>
           <a:prstGeom prst="straightConnector1">
             <a:avLst/>
@@ -5373,10 +5441,11 @@
           <a:prstGeom prst="straightConnector1">
             <a:avLst/>
           </a:prstGeom>
-          <a:ln>
-            <a:solidFill>
-              <a:schemeClr val="tx1"/>
-            </a:solidFill>
+          <a:ln cmpd="sng">
+            <a:solidFill>
+              <a:schemeClr val="tx1"/>
+            </a:solidFill>
+            <a:prstDash val="lgDashDotDot"/>
             <a:headEnd type="oval"/>
             <a:tailEnd type="stealth"/>
           </a:ln>
@@ -5473,10 +5542,11 @@
           <a:prstGeom prst="straightConnector1">
             <a:avLst/>
           </a:prstGeom>
-          <a:ln>
-            <a:solidFill>
-              <a:schemeClr val="tx1"/>
-            </a:solidFill>
+          <a:ln cmpd="sng">
+            <a:solidFill>
+              <a:schemeClr val="tx1"/>
+            </a:solidFill>
+            <a:prstDash val="lgDashDotDot"/>
             <a:headEnd type="oval"/>
             <a:tailEnd type="stealth"/>
           </a:ln>
@@ -5582,16 +5652,17 @@
         </p:nvCxnSpPr>
         <p:spPr>
           <a:xfrm flipV="1">
-            <a:off x="2960501" y="1498962"/>
-            <a:ext cx="1263731" cy="4141426"/>
+            <a:off x="2960501" y="2359122"/>
+            <a:ext cx="1257624" cy="3281266"/>
           </a:xfrm>
           <a:prstGeom prst="straightConnector1">
             <a:avLst/>
           </a:prstGeom>
-          <a:ln w="19050" cmpd="dbl">
-            <a:solidFill>
-              <a:schemeClr val="tx1"/>
-            </a:solidFill>
+          <a:ln w="6350" cmpd="sng">
+            <a:solidFill>
+              <a:schemeClr val="tx1"/>
+            </a:solidFill>
+            <a:prstDash val="dash"/>
             <a:headEnd type="triangle"/>
             <a:tailEnd type="triangle"/>
           </a:ln>
@@ -5725,7 +5796,7 @@
                   <a:schemeClr val="tx1"/>
                 </a:solidFill>
               </a:rPr>
-              <a:t>fuse</a:t>
+              <a:t>FUSE</a:t>
             </a:r>
             <a:endParaRPr lang="en-US" dirty="0">
               <a:solidFill>
@@ -5865,17 +5936,18 @@
           <p:nvPr/>
         </p:nvCxnSpPr>
         <p:spPr>
-          <a:xfrm flipV="1">
-            <a:off x="5091349" y="1673664"/>
-            <a:ext cx="2939" cy="1393188"/>
+          <a:xfrm flipH="1" flipV="1">
+            <a:off x="5088181" y="2533824"/>
+            <a:ext cx="3168" cy="533028"/>
           </a:xfrm>
           <a:prstGeom prst="straightConnector1">
             <a:avLst/>
           </a:prstGeom>
-          <a:ln>
-            <a:solidFill>
-              <a:schemeClr val="tx1"/>
-            </a:solidFill>
+          <a:ln cmpd="sng">
+            <a:solidFill>
+              <a:schemeClr val="tx1"/>
+            </a:solidFill>
+            <a:prstDash val="lgDashDotDot"/>
             <a:headEnd type="oval"/>
             <a:tailEnd type="stealth"/>
           </a:ln>
@@ -5912,10 +5984,11 @@
           <a:prstGeom prst="straightConnector1">
             <a:avLst/>
           </a:prstGeom>
-          <a:ln>
-            <a:solidFill>
-              <a:schemeClr val="tx1"/>
-            </a:solidFill>
+          <a:ln cmpd="sng">
+            <a:solidFill>
+              <a:schemeClr val="tx1"/>
+            </a:solidFill>
+            <a:prstDash val="lgDashDotDot"/>
             <a:headEnd type="oval"/>
             <a:tailEnd type="stealth"/>
           </a:ln>
@@ -5939,23 +6012,24 @@
         <p:nvCxnSpPr>
           <p:cNvPr id="140" name="Straight Arrow Connector 139"/>
           <p:cNvCxnSpPr>
-            <a:stCxn id="8" idx="3"/>
+            <a:stCxn id="117" idx="3"/>
             <a:endCxn id="123" idx="1"/>
           </p:cNvCxnSpPr>
           <p:nvPr/>
         </p:nvCxnSpPr>
         <p:spPr>
           <a:xfrm flipV="1">
-            <a:off x="5964343" y="993382"/>
-            <a:ext cx="271069" cy="505580"/>
+            <a:off x="5952995" y="993382"/>
+            <a:ext cx="282417" cy="485754"/>
           </a:xfrm>
           <a:prstGeom prst="straightConnector1">
             <a:avLst/>
           </a:prstGeom>
-          <a:ln>
-            <a:solidFill>
-              <a:schemeClr val="tx1"/>
-            </a:solidFill>
+          <a:ln cmpd="sng">
+            <a:solidFill>
+              <a:schemeClr val="tx1"/>
+            </a:solidFill>
+            <a:prstDash val="lgDashDotDot"/>
             <a:headEnd type="oval"/>
             <a:tailEnd type="stealth"/>
           </a:ln>
@@ -5979,23 +6053,24 @@
         <p:nvCxnSpPr>
           <p:cNvPr id="143" name="Straight Arrow Connector 142"/>
           <p:cNvCxnSpPr>
-            <a:stCxn id="8" idx="3"/>
+            <a:stCxn id="117" idx="3"/>
             <a:endCxn id="124" idx="1"/>
           </p:cNvCxnSpPr>
           <p:nvPr/>
         </p:nvCxnSpPr>
         <p:spPr>
-          <a:xfrm flipV="1">
-            <a:off x="5964343" y="1485329"/>
-            <a:ext cx="266738" cy="13633"/>
+          <a:xfrm>
+            <a:off x="5952995" y="1479136"/>
+            <a:ext cx="278086" cy="6193"/>
           </a:xfrm>
           <a:prstGeom prst="straightConnector1">
             <a:avLst/>
           </a:prstGeom>
-          <a:ln>
-            <a:solidFill>
-              <a:schemeClr val="tx1"/>
-            </a:solidFill>
+          <a:ln cmpd="sng">
+            <a:solidFill>
+              <a:schemeClr val="tx1"/>
+            </a:solidFill>
+            <a:prstDash val="lgDashDotDot"/>
             <a:headEnd type="oval"/>
             <a:tailEnd type="stealth"/>
           </a:ln>
@@ -6019,23 +6094,24 @@
         <p:nvCxnSpPr>
           <p:cNvPr id="147" name="Straight Arrow Connector 146"/>
           <p:cNvCxnSpPr>
-            <a:stCxn id="8" idx="3"/>
+            <a:stCxn id="117" idx="3"/>
             <a:endCxn id="128" idx="1"/>
           </p:cNvCxnSpPr>
           <p:nvPr/>
         </p:nvCxnSpPr>
         <p:spPr>
           <a:xfrm>
-            <a:off x="5964343" y="1498962"/>
-            <a:ext cx="260401" cy="480101"/>
+            <a:off x="5952995" y="1479136"/>
+            <a:ext cx="271749" cy="499927"/>
           </a:xfrm>
           <a:prstGeom prst="straightConnector1">
             <a:avLst/>
           </a:prstGeom>
-          <a:ln>
-            <a:solidFill>
-              <a:schemeClr val="tx1"/>
-            </a:solidFill>
+          <a:ln cmpd="sng">
+            <a:solidFill>
+              <a:schemeClr val="tx1"/>
+            </a:solidFill>
+            <a:prstDash val="lgDashDotDot"/>
             <a:headEnd type="oval"/>
             <a:tailEnd type="stealth"/>
           </a:ln>
@@ -6063,7 +6139,7 @@
         </p:nvSpPr>
         <p:spPr>
           <a:xfrm>
-            <a:off x="4224232" y="1324260"/>
+            <a:off x="4218125" y="2184420"/>
             <a:ext cx="1740111" cy="349404"/>
           </a:xfrm>
           <a:prstGeom prst="rect">
@@ -6100,7 +6176,7 @@
           <a:p>
             <a:pPr algn="ctr"/>
             <a:r>
-              <a:rPr lang="en-US" dirty="0" smtClean="0">
+              <a:rPr lang="en-US" smtClean="0">
                 <a:solidFill>
                   <a:schemeClr val="tx1"/>
                 </a:solidFill>
@@ -6132,171 +6208,12 @@
           <a:prstGeom prst="straightConnector1">
             <a:avLst/>
           </a:prstGeom>
-          <a:ln>
-            <a:solidFill>
-              <a:schemeClr val="tx1"/>
-            </a:solidFill>
+          <a:ln cmpd="sng">
+            <a:solidFill>
+              <a:schemeClr val="tx1"/>
+            </a:solidFill>
+            <a:prstDash val="lgDashDotDot"/>
             <a:headEnd type="stealth"/>
-            <a:tailEnd type="oval"/>
-          </a:ln>
-        </p:spPr>
-        <p:style>
-          <a:lnRef idx="1">
-            <a:schemeClr val="accent1"/>
-          </a:lnRef>
-          <a:fillRef idx="0">
-            <a:schemeClr val="accent1"/>
-          </a:fillRef>
-          <a:effectRef idx="0">
-            <a:schemeClr val="accent1"/>
-          </a:effectRef>
-          <a:fontRef idx="minor">
-            <a:schemeClr val="tx1"/>
-          </a:fontRef>
-        </p:style>
-      </p:cxnSp>
-      <p:cxnSp>
-        <p:nvCxnSpPr>
-          <p:cNvPr id="211" name="Straight Arrow Connector 210"/>
-          <p:cNvCxnSpPr>
-            <a:stCxn id="123" idx="2"/>
-            <a:endCxn id="158" idx="1"/>
-          </p:cNvCxnSpPr>
-          <p:nvPr/>
-        </p:nvCxnSpPr>
-        <p:spPr>
-          <a:xfrm>
-            <a:off x="7105468" y="1168084"/>
-            <a:ext cx="1865890" cy="2088076"/>
-          </a:xfrm>
-          <a:prstGeom prst="straightConnector1">
-            <a:avLst/>
-          </a:prstGeom>
-          <a:ln>
-            <a:solidFill>
-              <a:schemeClr val="tx1"/>
-            </a:solidFill>
-            <a:headEnd type="oval"/>
-            <a:tailEnd type="oval"/>
-          </a:ln>
-        </p:spPr>
-        <p:style>
-          <a:lnRef idx="1">
-            <a:schemeClr val="accent1"/>
-          </a:lnRef>
-          <a:fillRef idx="0">
-            <a:schemeClr val="accent1"/>
-          </a:fillRef>
-          <a:effectRef idx="0">
-            <a:schemeClr val="accent1"/>
-          </a:effectRef>
-          <a:fontRef idx="minor">
-            <a:schemeClr val="tx1"/>
-          </a:fontRef>
-        </p:style>
-      </p:cxnSp>
-      <p:cxnSp>
-        <p:nvCxnSpPr>
-          <p:cNvPr id="214" name="Straight Arrow Connector 213"/>
-          <p:cNvCxnSpPr>
-            <a:stCxn id="124" idx="2"/>
-            <a:endCxn id="158" idx="1"/>
-          </p:cNvCxnSpPr>
-          <p:nvPr/>
-        </p:nvCxnSpPr>
-        <p:spPr>
-          <a:xfrm>
-            <a:off x="7101137" y="1660031"/>
-            <a:ext cx="1870221" cy="1596129"/>
-          </a:xfrm>
-          <a:prstGeom prst="straightConnector1">
-            <a:avLst/>
-          </a:prstGeom>
-          <a:ln>
-            <a:solidFill>
-              <a:schemeClr val="tx1"/>
-            </a:solidFill>
-            <a:headEnd type="oval"/>
-            <a:tailEnd type="oval"/>
-          </a:ln>
-        </p:spPr>
-        <p:style>
-          <a:lnRef idx="1">
-            <a:schemeClr val="accent1"/>
-          </a:lnRef>
-          <a:fillRef idx="0">
-            <a:schemeClr val="accent1"/>
-          </a:fillRef>
-          <a:effectRef idx="0">
-            <a:schemeClr val="accent1"/>
-          </a:effectRef>
-          <a:fontRef idx="minor">
-            <a:schemeClr val="tx1"/>
-          </a:fontRef>
-        </p:style>
-      </p:cxnSp>
-      <p:cxnSp>
-        <p:nvCxnSpPr>
-          <p:cNvPr id="217" name="Straight Arrow Connector 216"/>
-          <p:cNvCxnSpPr>
-            <a:stCxn id="128" idx="2"/>
-            <a:endCxn id="158" idx="1"/>
-          </p:cNvCxnSpPr>
-          <p:nvPr/>
-        </p:nvCxnSpPr>
-        <p:spPr>
-          <a:xfrm>
-            <a:off x="7094800" y="2153765"/>
-            <a:ext cx="1876558" cy="1102395"/>
-          </a:xfrm>
-          <a:prstGeom prst="straightConnector1">
-            <a:avLst/>
-          </a:prstGeom>
-          <a:ln>
-            <a:solidFill>
-              <a:schemeClr val="tx1"/>
-            </a:solidFill>
-            <a:headEnd type="oval"/>
-            <a:tailEnd type="oval"/>
-          </a:ln>
-        </p:spPr>
-        <p:style>
-          <a:lnRef idx="1">
-            <a:schemeClr val="accent1"/>
-          </a:lnRef>
-          <a:fillRef idx="0">
-            <a:schemeClr val="accent1"/>
-          </a:fillRef>
-          <a:effectRef idx="0">
-            <a:schemeClr val="accent1"/>
-          </a:effectRef>
-          <a:fontRef idx="minor">
-            <a:schemeClr val="tx1"/>
-          </a:fontRef>
-        </p:style>
-      </p:cxnSp>
-      <p:cxnSp>
-        <p:nvCxnSpPr>
-          <p:cNvPr id="220" name="Straight Arrow Connector 219"/>
-          <p:cNvCxnSpPr>
-            <a:stCxn id="10" idx="2"/>
-            <a:endCxn id="158" idx="1"/>
-          </p:cNvCxnSpPr>
-          <p:nvPr/>
-        </p:nvCxnSpPr>
-        <p:spPr>
-          <a:xfrm>
-            <a:off x="7091237" y="2647499"/>
-            <a:ext cx="1880121" cy="608661"/>
-          </a:xfrm>
-          <a:prstGeom prst="straightConnector1">
-            <a:avLst/>
-          </a:prstGeom>
-          <a:ln>
-            <a:solidFill>
-              <a:schemeClr val="tx1"/>
-            </a:solidFill>
-            <a:headEnd type="oval"/>
             <a:tailEnd type="oval"/>
           </a:ln>
         </p:spPr>
@@ -6334,12 +6251,13 @@
               <a:gd name="adj1" fmla="val -9258128"/>
             </a:avLst>
           </a:prstGeom>
-          <a:ln>
-            <a:solidFill>
-              <a:schemeClr val="tx1"/>
-            </a:solidFill>
-            <a:headEnd type="none"/>
-            <a:tailEnd type="none"/>
+          <a:ln w="6350">
+            <a:solidFill>
+              <a:schemeClr val="tx1"/>
+            </a:solidFill>
+            <a:prstDash val="dash"/>
+            <a:headEnd type="triangle"/>
+            <a:tailEnd type="triangle"/>
           </a:ln>
         </p:spPr>
         <p:style>
@@ -6380,8 +6298,9 @@
             <a:solidFill>
               <a:schemeClr val="tx1"/>
             </a:solidFill>
-            <a:headEnd type="none"/>
-            <a:tailEnd type="none"/>
+            <a:prstDash val="dash"/>
+            <a:headEnd type="triangle"/>
+            <a:tailEnd type="triangle"/>
           </a:ln>
         </p:spPr>
         <p:style>
@@ -6422,8 +6341,9 @@
             <a:solidFill>
               <a:schemeClr val="tx1"/>
             </a:solidFill>
-            <a:headEnd type="none"/>
-            <a:tailEnd type="none"/>
+            <a:prstDash val="dash"/>
+            <a:headEnd type="triangle"/>
+            <a:tailEnd type="triangle"/>
           </a:ln>
         </p:spPr>
         <p:style>
@@ -6464,8 +6384,9 @@
             <a:solidFill>
               <a:schemeClr val="tx1"/>
             </a:solidFill>
-            <a:headEnd type="none"/>
-            <a:tailEnd type="none"/>
+            <a:prstDash val="dash"/>
+            <a:headEnd type="triangle"/>
+            <a:tailEnd type="triangle"/>
           </a:ln>
         </p:spPr>
         <p:style>
@@ -6656,7 +6577,7 @@
           <a:p>
             <a:pPr algn="ctr"/>
             <a:r>
-              <a:rPr lang="en-US" smtClean="0">
+              <a:rPr lang="en-US" dirty="0" smtClean="0">
                 <a:solidFill>
                   <a:schemeClr val="tx1"/>
                 </a:solidFill>
@@ -6793,17 +6714,59 @@
       </p:sp>
       <p:cxnSp>
         <p:nvCxnSpPr>
+          <p:cNvPr id="45" name="Curved Connector 44"/>
+          <p:cNvCxnSpPr>
+            <a:stCxn id="9" idx="3"/>
+            <a:endCxn id="98" idx="2"/>
+          </p:cNvCxnSpPr>
+          <p:nvPr/>
+        </p:nvCxnSpPr>
+        <p:spPr>
+          <a:xfrm flipH="1">
+            <a:off x="7097969" y="499648"/>
+            <a:ext cx="873223" cy="2646290"/>
+          </a:xfrm>
+          <a:prstGeom prst="curvedConnector4">
+            <a:avLst>
+              <a:gd name="adj1" fmla="val -93428"/>
+              <a:gd name="adj2" fmla="val 110224"/>
+            </a:avLst>
+          </a:prstGeom>
+          <a:ln>
+            <a:solidFill>
+              <a:schemeClr val="tx1"/>
+            </a:solidFill>
+            <a:headEnd type="oval"/>
+            <a:tailEnd type="oval"/>
+          </a:ln>
+        </p:spPr>
+        <p:style>
+          <a:lnRef idx="1">
+            <a:schemeClr val="accent1"/>
+          </a:lnRef>
+          <a:fillRef idx="0">
+            <a:schemeClr val="accent1"/>
+          </a:fillRef>
+          <a:effectRef idx="0">
+            <a:schemeClr val="accent1"/>
+          </a:effectRef>
+          <a:fontRef idx="minor">
+            <a:schemeClr val="tx1"/>
+          </a:fontRef>
+        </p:style>
+      </p:cxnSp>
+      <p:cxnSp>
+        <p:nvCxnSpPr>
           <p:cNvPr id="264" name="Straight Arrow Connector 263"/>
           <p:cNvCxnSpPr>
-            <a:stCxn id="123" idx="3"/>
             <a:endCxn id="16" idx="1"/>
           </p:cNvCxnSpPr>
           <p:nvPr/>
         </p:nvCxnSpPr>
         <p:spPr>
           <a:xfrm>
-            <a:off x="7975523" y="993382"/>
-            <a:ext cx="1204471" cy="310616"/>
+            <a:off x="7961292" y="818680"/>
+            <a:ext cx="1218702" cy="634148"/>
           </a:xfrm>
           <a:prstGeom prst="straightConnector1">
             <a:avLst/>
@@ -6812,8 +6775,8 @@
             <a:solidFill>
               <a:schemeClr val="tx1"/>
             </a:solidFill>
-            <a:headEnd type="none"/>
-            <a:tailEnd type="none"/>
+            <a:headEnd type="oval"/>
+            <a:tailEnd type="oval"/>
           </a:ln>
         </p:spPr>
         <p:style>
@@ -6835,15 +6798,14 @@
         <p:nvCxnSpPr>
           <p:cNvPr id="266" name="Straight Arrow Connector 265"/>
           <p:cNvCxnSpPr>
-            <a:stCxn id="124" idx="3"/>
             <a:endCxn id="16" idx="1"/>
           </p:cNvCxnSpPr>
           <p:nvPr/>
         </p:nvCxnSpPr>
         <p:spPr>
-          <a:xfrm flipV="1">
-            <a:off x="7971192" y="1303998"/>
-            <a:ext cx="1208802" cy="181331"/>
+          <a:xfrm>
+            <a:off x="7961292" y="1310628"/>
+            <a:ext cx="1218702" cy="142200"/>
           </a:xfrm>
           <a:prstGeom prst="straightConnector1">
             <a:avLst/>
@@ -6852,8 +6814,8 @@
             <a:solidFill>
               <a:schemeClr val="tx1"/>
             </a:solidFill>
-            <a:headEnd type="none"/>
-            <a:tailEnd type="none"/>
+            <a:headEnd type="oval"/>
+            <a:tailEnd type="oval"/>
           </a:ln>
         </p:spPr>
         <p:style>
@@ -6875,15 +6837,14 @@
         <p:nvCxnSpPr>
           <p:cNvPr id="272" name="Straight Arrow Connector 271"/>
           <p:cNvCxnSpPr>
-            <a:stCxn id="128" idx="3"/>
             <a:endCxn id="16" idx="1"/>
           </p:cNvCxnSpPr>
           <p:nvPr/>
         </p:nvCxnSpPr>
         <p:spPr>
           <a:xfrm flipV="1">
-            <a:off x="7964855" y="1303998"/>
-            <a:ext cx="1215139" cy="675065"/>
+            <a:off x="7961292" y="1452828"/>
+            <a:ext cx="1218702" cy="351534"/>
           </a:xfrm>
           <a:prstGeom prst="straightConnector1">
             <a:avLst/>
@@ -6892,8 +6853,8 @@
             <a:solidFill>
               <a:schemeClr val="tx1"/>
             </a:solidFill>
-            <a:headEnd type="none"/>
-            <a:tailEnd type="none"/>
+            <a:headEnd type="oval"/>
+            <a:tailEnd type="oval"/>
           </a:ln>
         </p:spPr>
         <p:style>
@@ -6915,15 +6876,14 @@
         <p:nvCxnSpPr>
           <p:cNvPr id="276" name="Straight Arrow Connector 275"/>
           <p:cNvCxnSpPr>
-            <a:stCxn id="10" idx="3"/>
             <a:endCxn id="16" idx="1"/>
           </p:cNvCxnSpPr>
           <p:nvPr/>
         </p:nvCxnSpPr>
         <p:spPr>
           <a:xfrm flipV="1">
-            <a:off x="7961292" y="1303998"/>
-            <a:ext cx="1218702" cy="1168799"/>
+            <a:off x="7961292" y="1452828"/>
+            <a:ext cx="1218702" cy="845268"/>
           </a:xfrm>
           <a:prstGeom prst="straightConnector1">
             <a:avLst/>
@@ -6932,8 +6892,8 @@
             <a:solidFill>
               <a:schemeClr val="tx1"/>
             </a:solidFill>
-            <a:headEnd type="none"/>
-            <a:tailEnd type="none"/>
+            <a:headEnd type="oval"/>
+            <a:tailEnd type="oval"/>
           </a:ln>
         </p:spPr>
         <p:style>
@@ -6955,15 +6915,14 @@
         <p:nvCxnSpPr>
           <p:cNvPr id="280" name="Straight Arrow Connector 279"/>
           <p:cNvCxnSpPr>
-            <a:stCxn id="98" idx="3"/>
             <a:endCxn id="16" idx="1"/>
           </p:cNvCxnSpPr>
           <p:nvPr/>
         </p:nvCxnSpPr>
         <p:spPr>
           <a:xfrm flipV="1">
-            <a:off x="7968024" y="1303998"/>
-            <a:ext cx="1211970" cy="1667238"/>
+            <a:off x="7961292" y="1452828"/>
+            <a:ext cx="1218702" cy="1343706"/>
           </a:xfrm>
           <a:prstGeom prst="straightConnector1">
             <a:avLst/>
@@ -6972,8 +6931,514 @@
             <a:solidFill>
               <a:schemeClr val="tx1"/>
             </a:solidFill>
-            <a:headEnd type="none"/>
-            <a:tailEnd type="none"/>
+            <a:headEnd type="oval"/>
+            <a:tailEnd type="oval"/>
+          </a:ln>
+        </p:spPr>
+        <p:style>
+          <a:lnRef idx="1">
+            <a:schemeClr val="accent1"/>
+          </a:lnRef>
+          <a:fillRef idx="0">
+            <a:schemeClr val="accent1"/>
+          </a:fillRef>
+          <a:effectRef idx="0">
+            <a:schemeClr val="accent1"/>
+          </a:effectRef>
+          <a:fontRef idx="minor">
+            <a:schemeClr val="tx1"/>
+          </a:fontRef>
+        </p:style>
+      </p:cxnSp>
+      <p:cxnSp>
+        <p:nvCxnSpPr>
+          <p:cNvPr id="211" name="Straight Arrow Connector 210"/>
+          <p:cNvCxnSpPr>
+            <a:endCxn id="158" idx="1"/>
+          </p:cNvCxnSpPr>
+          <p:nvPr/>
+        </p:nvCxnSpPr>
+        <p:spPr>
+          <a:xfrm>
+            <a:off x="7968024" y="1168084"/>
+            <a:ext cx="1003334" cy="2239467"/>
+          </a:xfrm>
+          <a:prstGeom prst="straightConnector1">
+            <a:avLst/>
+          </a:prstGeom>
+          <a:ln>
+            <a:solidFill>
+              <a:schemeClr val="tx1"/>
+            </a:solidFill>
+            <a:headEnd type="oval"/>
+            <a:tailEnd type="oval"/>
+          </a:ln>
+        </p:spPr>
+        <p:style>
+          <a:lnRef idx="1">
+            <a:schemeClr val="accent1"/>
+          </a:lnRef>
+          <a:fillRef idx="0">
+            <a:schemeClr val="accent1"/>
+          </a:fillRef>
+          <a:effectRef idx="0">
+            <a:schemeClr val="accent1"/>
+          </a:effectRef>
+          <a:fontRef idx="minor">
+            <a:schemeClr val="tx1"/>
+          </a:fontRef>
+        </p:style>
+      </p:cxnSp>
+      <p:cxnSp>
+        <p:nvCxnSpPr>
+          <p:cNvPr id="214" name="Straight Arrow Connector 213"/>
+          <p:cNvCxnSpPr>
+            <a:endCxn id="158" idx="1"/>
+          </p:cNvCxnSpPr>
+          <p:nvPr/>
+        </p:nvCxnSpPr>
+        <p:spPr>
+          <a:xfrm>
+            <a:off x="7975523" y="1656968"/>
+            <a:ext cx="995835" cy="1750583"/>
+          </a:xfrm>
+          <a:prstGeom prst="straightConnector1">
+            <a:avLst/>
+          </a:prstGeom>
+          <a:ln>
+            <a:solidFill>
+              <a:schemeClr val="tx1"/>
+            </a:solidFill>
+            <a:headEnd type="oval"/>
+            <a:tailEnd type="oval"/>
+          </a:ln>
+        </p:spPr>
+        <p:style>
+          <a:lnRef idx="1">
+            <a:schemeClr val="accent1"/>
+          </a:lnRef>
+          <a:fillRef idx="0">
+            <a:schemeClr val="accent1"/>
+          </a:fillRef>
+          <a:effectRef idx="0">
+            <a:schemeClr val="accent1"/>
+          </a:effectRef>
+          <a:fontRef idx="minor">
+            <a:schemeClr val="tx1"/>
+          </a:fontRef>
+        </p:style>
+      </p:cxnSp>
+      <p:cxnSp>
+        <p:nvCxnSpPr>
+          <p:cNvPr id="217" name="Straight Arrow Connector 216"/>
+          <p:cNvCxnSpPr>
+            <a:endCxn id="158" idx="1"/>
+          </p:cNvCxnSpPr>
+          <p:nvPr/>
+        </p:nvCxnSpPr>
+        <p:spPr>
+          <a:xfrm>
+            <a:off x="7968024" y="2153765"/>
+            <a:ext cx="1003334" cy="1253786"/>
+          </a:xfrm>
+          <a:prstGeom prst="straightConnector1">
+            <a:avLst/>
+          </a:prstGeom>
+          <a:ln>
+            <a:solidFill>
+              <a:schemeClr val="tx1"/>
+            </a:solidFill>
+            <a:headEnd type="oval"/>
+            <a:tailEnd type="oval"/>
+          </a:ln>
+        </p:spPr>
+        <p:style>
+          <a:lnRef idx="1">
+            <a:schemeClr val="accent1"/>
+          </a:lnRef>
+          <a:fillRef idx="0">
+            <a:schemeClr val="accent1"/>
+          </a:fillRef>
+          <a:effectRef idx="0">
+            <a:schemeClr val="accent1"/>
+          </a:effectRef>
+          <a:fontRef idx="minor">
+            <a:schemeClr val="tx1"/>
+          </a:fontRef>
+        </p:style>
+      </p:cxnSp>
+      <p:cxnSp>
+        <p:nvCxnSpPr>
+          <p:cNvPr id="220" name="Straight Arrow Connector 219"/>
+          <p:cNvCxnSpPr>
+            <a:endCxn id="158" idx="1"/>
+          </p:cNvCxnSpPr>
+          <p:nvPr/>
+        </p:nvCxnSpPr>
+        <p:spPr>
+          <a:xfrm>
+            <a:off x="7961292" y="2647499"/>
+            <a:ext cx="1010066" cy="760052"/>
+          </a:xfrm>
+          <a:prstGeom prst="straightConnector1">
+            <a:avLst/>
+          </a:prstGeom>
+          <a:ln>
+            <a:solidFill>
+              <a:schemeClr val="tx1"/>
+            </a:solidFill>
+            <a:headEnd type="oval"/>
+            <a:tailEnd type="oval"/>
+          </a:ln>
+        </p:spPr>
+        <p:style>
+          <a:lnRef idx="1">
+            <a:schemeClr val="accent1"/>
+          </a:lnRef>
+          <a:fillRef idx="0">
+            <a:schemeClr val="accent1"/>
+          </a:fillRef>
+          <a:effectRef idx="0">
+            <a:schemeClr val="accent1"/>
+          </a:effectRef>
+          <a:fontRef idx="minor">
+            <a:schemeClr val="tx1"/>
+          </a:fontRef>
+        </p:style>
+      </p:cxnSp>
+      <p:cxnSp>
+        <p:nvCxnSpPr>
+          <p:cNvPr id="62" name="Curved Connector 61"/>
+          <p:cNvCxnSpPr>
+            <a:stCxn id="9" idx="3"/>
+          </p:cNvCxnSpPr>
+          <p:nvPr/>
+        </p:nvCxnSpPr>
+        <p:spPr>
+          <a:xfrm flipH="1">
+            <a:off x="7961292" y="499648"/>
+            <a:ext cx="9900" cy="319032"/>
+          </a:xfrm>
+          <a:prstGeom prst="curvedConnector4">
+            <a:avLst>
+              <a:gd name="adj1" fmla="val -2309091"/>
+              <a:gd name="adj2" fmla="val 99274"/>
+            </a:avLst>
+          </a:prstGeom>
+          <a:ln>
+            <a:solidFill>
+              <a:schemeClr val="tx1"/>
+            </a:solidFill>
+            <a:headEnd type="oval"/>
+            <a:tailEnd type="oval"/>
+          </a:ln>
+        </p:spPr>
+        <p:style>
+          <a:lnRef idx="1">
+            <a:schemeClr val="accent1"/>
+          </a:lnRef>
+          <a:fillRef idx="0">
+            <a:schemeClr val="accent1"/>
+          </a:fillRef>
+          <a:effectRef idx="0">
+            <a:schemeClr val="accent1"/>
+          </a:effectRef>
+          <a:fontRef idx="minor">
+            <a:schemeClr val="tx1"/>
+          </a:fontRef>
+        </p:style>
+      </p:cxnSp>
+      <p:cxnSp>
+        <p:nvCxnSpPr>
+          <p:cNvPr id="80" name="Straight Arrow Connector 79"/>
+          <p:cNvCxnSpPr/>
+          <p:nvPr/>
+        </p:nvCxnSpPr>
+        <p:spPr>
+          <a:xfrm flipV="1">
+            <a:off x="7920000" y="6120000"/>
+            <a:ext cx="1080000" cy="0"/>
+          </a:xfrm>
+          <a:prstGeom prst="straightConnector1">
+            <a:avLst/>
+          </a:prstGeom>
+          <a:ln>
+            <a:solidFill>
+              <a:schemeClr val="tx1"/>
+            </a:solidFill>
+            <a:prstDash val="dash"/>
+            <a:headEnd type="triangle"/>
+            <a:tailEnd type="triangle"/>
+          </a:ln>
+        </p:spPr>
+        <p:style>
+          <a:lnRef idx="1">
+            <a:schemeClr val="accent1"/>
+          </a:lnRef>
+          <a:fillRef idx="0">
+            <a:schemeClr val="accent1"/>
+          </a:fillRef>
+          <a:effectRef idx="0">
+            <a:schemeClr val="accent1"/>
+          </a:effectRef>
+          <a:fontRef idx="minor">
+            <a:schemeClr val="tx1"/>
+          </a:fontRef>
+        </p:style>
+      </p:cxnSp>
+      <p:cxnSp>
+        <p:nvCxnSpPr>
+          <p:cNvPr id="82" name="Straight Arrow Connector 81"/>
+          <p:cNvCxnSpPr/>
+          <p:nvPr/>
+        </p:nvCxnSpPr>
+        <p:spPr>
+          <a:xfrm>
+            <a:off x="7920000" y="6408000"/>
+            <a:ext cx="1080000" cy="0"/>
+          </a:xfrm>
+          <a:prstGeom prst="straightConnector1">
+            <a:avLst/>
+          </a:prstGeom>
+          <a:ln>
+            <a:solidFill>
+              <a:schemeClr val="tx1"/>
+            </a:solidFill>
+            <a:prstDash val="lgDashDotDot"/>
+            <a:headEnd type="oval"/>
+            <a:tailEnd type="stealth"/>
+          </a:ln>
+        </p:spPr>
+        <p:style>
+          <a:lnRef idx="1">
+            <a:schemeClr val="accent1"/>
+          </a:lnRef>
+          <a:fillRef idx="0">
+            <a:schemeClr val="accent1"/>
+          </a:fillRef>
+          <a:effectRef idx="0">
+            <a:schemeClr val="accent1"/>
+          </a:effectRef>
+          <a:fontRef idx="minor">
+            <a:schemeClr val="tx1"/>
+          </a:fontRef>
+        </p:style>
+      </p:cxnSp>
+      <p:cxnSp>
+        <p:nvCxnSpPr>
+          <p:cNvPr id="87" name="Straight Arrow Connector 86"/>
+          <p:cNvCxnSpPr/>
+          <p:nvPr/>
+        </p:nvCxnSpPr>
+        <p:spPr>
+          <a:xfrm>
+            <a:off x="7920000" y="6696000"/>
+            <a:ext cx="1080000" cy="0"/>
+          </a:xfrm>
+          <a:prstGeom prst="straightConnector1">
+            <a:avLst/>
+          </a:prstGeom>
+          <a:ln>
+            <a:solidFill>
+              <a:schemeClr val="tx1"/>
+            </a:solidFill>
+            <a:headEnd type="oval"/>
+            <a:tailEnd type="oval"/>
+          </a:ln>
+        </p:spPr>
+        <p:style>
+          <a:lnRef idx="1">
+            <a:schemeClr val="accent1"/>
+          </a:lnRef>
+          <a:fillRef idx="0">
+            <a:schemeClr val="accent1"/>
+          </a:fillRef>
+          <a:effectRef idx="0">
+            <a:schemeClr val="accent1"/>
+          </a:effectRef>
+          <a:fontRef idx="minor">
+            <a:schemeClr val="tx1"/>
+          </a:fontRef>
+        </p:style>
+      </p:cxnSp>
+      <p:sp>
+        <p:nvSpPr>
+          <p:cNvPr id="99" name="TextBox 98"/>
+          <p:cNvSpPr txBox="1"/>
+          <p:nvPr/>
+        </p:nvSpPr>
+        <p:spPr>
+          <a:xfrm>
+            <a:off x="9179994" y="5966111"/>
+            <a:ext cx="2439322" cy="307777"/>
+          </a:xfrm>
+          <a:prstGeom prst="rect">
+            <a:avLst/>
+          </a:prstGeom>
+          <a:noFill/>
+        </p:spPr>
+        <p:txBody>
+          <a:bodyPr wrap="none" rtlCol="0">
+            <a:spAutoFit/>
+          </a:bodyPr>
+          <a:lstStyle/>
+          <a:p>
+            <a:r>
+              <a:rPr lang="en-US" sz="1400" dirty="0" smtClean="0"/>
+              <a:t>communication/</a:t>
+            </a:r>
+            <a:r>
+              <a:rPr lang="en-US" sz="1400" dirty="0" err="1" smtClean="0"/>
+              <a:t>syncronization</a:t>
+            </a:r>
+            <a:endParaRPr lang="en-US" sz="1400" dirty="0"/>
+          </a:p>
+        </p:txBody>
+      </p:sp>
+      <p:sp>
+        <p:nvSpPr>
+          <p:cNvPr id="102" name="TextBox 101"/>
+          <p:cNvSpPr txBox="1"/>
+          <p:nvPr/>
+        </p:nvSpPr>
+        <p:spPr>
+          <a:xfrm>
+            <a:off x="9179994" y="6258840"/>
+            <a:ext cx="743152" cy="307777"/>
+          </a:xfrm>
+          <a:prstGeom prst="rect">
+            <a:avLst/>
+          </a:prstGeom>
+          <a:noFill/>
+        </p:spPr>
+        <p:txBody>
+          <a:bodyPr wrap="none" rtlCol="0">
+            <a:spAutoFit/>
+          </a:bodyPr>
+          <a:lstStyle/>
+          <a:p>
+            <a:r>
+              <a:rPr lang="en-US" sz="1400" smtClean="0"/>
+              <a:t>starting</a:t>
+            </a:r>
+            <a:endParaRPr lang="en-US" sz="1400"/>
+          </a:p>
+        </p:txBody>
+      </p:sp>
+      <p:sp>
+        <p:nvSpPr>
+          <p:cNvPr id="103" name="TextBox 102"/>
+          <p:cNvSpPr txBox="1"/>
+          <p:nvPr/>
+        </p:nvSpPr>
+        <p:spPr>
+          <a:xfrm>
+            <a:off x="9169480" y="6542111"/>
+            <a:ext cx="1108060" cy="307777"/>
+          </a:xfrm>
+          <a:prstGeom prst="rect">
+            <a:avLst/>
+          </a:prstGeom>
+          <a:noFill/>
+        </p:spPr>
+        <p:txBody>
+          <a:bodyPr wrap="none" rtlCol="0">
+            <a:spAutoFit/>
+          </a:bodyPr>
+          <a:lstStyle/>
+          <a:p>
+            <a:r>
+              <a:rPr lang="en-US" sz="1400" dirty="0" smtClean="0"/>
+              <a:t>using/calling</a:t>
+            </a:r>
+            <a:endParaRPr lang="en-US" sz="1400" dirty="0"/>
+          </a:p>
+        </p:txBody>
+      </p:sp>
+      <p:sp>
+        <p:nvSpPr>
+          <p:cNvPr id="117" name="Rectangle 116"/>
+          <p:cNvSpPr/>
+          <p:nvPr/>
+        </p:nvSpPr>
+        <p:spPr>
+          <a:xfrm>
+            <a:off x="4212884" y="1304434"/>
+            <a:ext cx="1740111" cy="349404"/>
+          </a:xfrm>
+          <a:prstGeom prst="rect">
+            <a:avLst/>
+          </a:prstGeom>
+          <a:solidFill>
+            <a:schemeClr val="bg1"/>
+          </a:solidFill>
+          <a:ln>
+            <a:solidFill>
+              <a:schemeClr val="tx1"/>
+            </a:solidFill>
+          </a:ln>
+        </p:spPr>
+        <p:style>
+          <a:lnRef idx="2">
+            <a:schemeClr val="accent1">
+              <a:shade val="50000"/>
+            </a:schemeClr>
+          </a:lnRef>
+          <a:fillRef idx="1">
+            <a:schemeClr val="accent1"/>
+          </a:fillRef>
+          <a:effectRef idx="0">
+            <a:schemeClr val="accent1"/>
+          </a:effectRef>
+          <a:fontRef idx="minor">
+            <a:schemeClr val="lt1"/>
+          </a:fontRef>
+        </p:style>
+        <p:txBody>
+          <a:bodyPr rtlCol="0" anchor="ctr"/>
+          <a:lstStyle/>
+          <a:p>
+            <a:pPr algn="ctr"/>
+            <a:r>
+              <a:rPr lang="en-US" dirty="0" err="1" smtClean="0">
+                <a:solidFill>
+                  <a:schemeClr val="tx1"/>
+                </a:solidFill>
+              </a:rPr>
+              <a:t>MessageParser</a:t>
+            </a:r>
+            <a:endParaRPr lang="en-US" dirty="0">
+              <a:solidFill>
+                <a:schemeClr val="tx1"/>
+              </a:solidFill>
+            </a:endParaRPr>
+          </a:p>
+        </p:txBody>
+      </p:sp>
+      <p:cxnSp>
+        <p:nvCxnSpPr>
+          <p:cNvPr id="132" name="Straight Arrow Connector 131"/>
+          <p:cNvCxnSpPr>
+            <a:stCxn id="8" idx="0"/>
+            <a:endCxn id="117" idx="2"/>
+          </p:cNvCxnSpPr>
+          <p:nvPr/>
+        </p:nvCxnSpPr>
+        <p:spPr>
+          <a:xfrm flipH="1" flipV="1">
+            <a:off x="5082940" y="1653838"/>
+            <a:ext cx="5241" cy="530582"/>
+          </a:xfrm>
+          <a:prstGeom prst="straightConnector1">
+            <a:avLst/>
+          </a:prstGeom>
+          <a:ln cmpd="sng">
+            <a:solidFill>
+              <a:schemeClr val="tx1"/>
+            </a:solidFill>
+            <a:prstDash val="lgDashDotDot"/>
+            <a:headEnd type="oval"/>
+            <a:tailEnd type="stealth"/>
           </a:ln>
         </p:spPr>
         <p:style>

--- a/documents/open ltfs overall.pptx
+++ b/documents/open ltfs overall.pptx
@@ -243,7 +243,7 @@
           <a:p>
             <a:fld id="{BC2A025D-D90C-1A40-BCF9-FD2E03D80E83}" type="datetimeFigureOut">
               <a:rPr lang="en-US" smtClean="0"/>
-              <a:t>1/18/17</a:t>
+              <a:t>1/25/17</a:t>
             </a:fld>
             <a:endParaRPr lang="en-US"/>
           </a:p>
@@ -413,7 +413,7 @@
           <a:p>
             <a:fld id="{BC2A025D-D90C-1A40-BCF9-FD2E03D80E83}" type="datetimeFigureOut">
               <a:rPr lang="en-US" smtClean="0"/>
-              <a:t>1/18/17</a:t>
+              <a:t>1/25/17</a:t>
             </a:fld>
             <a:endParaRPr lang="en-US"/>
           </a:p>
@@ -593,7 +593,7 @@
           <a:p>
             <a:fld id="{BC2A025D-D90C-1A40-BCF9-FD2E03D80E83}" type="datetimeFigureOut">
               <a:rPr lang="en-US" smtClean="0"/>
-              <a:t>1/18/17</a:t>
+              <a:t>1/25/17</a:t>
             </a:fld>
             <a:endParaRPr lang="en-US"/>
           </a:p>
@@ -763,7 +763,7 @@
           <a:p>
             <a:fld id="{BC2A025D-D90C-1A40-BCF9-FD2E03D80E83}" type="datetimeFigureOut">
               <a:rPr lang="en-US" smtClean="0"/>
-              <a:t>1/18/17</a:t>
+              <a:t>1/25/17</a:t>
             </a:fld>
             <a:endParaRPr lang="en-US"/>
           </a:p>
@@ -1009,7 +1009,7 @@
           <a:p>
             <a:fld id="{BC2A025D-D90C-1A40-BCF9-FD2E03D80E83}" type="datetimeFigureOut">
               <a:rPr lang="en-US" smtClean="0"/>
-              <a:t>1/18/17</a:t>
+              <a:t>1/25/17</a:t>
             </a:fld>
             <a:endParaRPr lang="en-US"/>
           </a:p>
@@ -1241,7 +1241,7 @@
           <a:p>
             <a:fld id="{BC2A025D-D90C-1A40-BCF9-FD2E03D80E83}" type="datetimeFigureOut">
               <a:rPr lang="en-US" smtClean="0"/>
-              <a:t>1/18/17</a:t>
+              <a:t>1/25/17</a:t>
             </a:fld>
             <a:endParaRPr lang="en-US"/>
           </a:p>
@@ -1608,7 +1608,7 @@
           <a:p>
             <a:fld id="{BC2A025D-D90C-1A40-BCF9-FD2E03D80E83}" type="datetimeFigureOut">
               <a:rPr lang="en-US" smtClean="0"/>
-              <a:t>1/18/17</a:t>
+              <a:t>1/25/17</a:t>
             </a:fld>
             <a:endParaRPr lang="en-US"/>
           </a:p>
@@ -1726,7 +1726,7 @@
           <a:p>
             <a:fld id="{BC2A025D-D90C-1A40-BCF9-FD2E03D80E83}" type="datetimeFigureOut">
               <a:rPr lang="en-US" smtClean="0"/>
-              <a:t>1/18/17</a:t>
+              <a:t>1/25/17</a:t>
             </a:fld>
             <a:endParaRPr lang="en-US"/>
           </a:p>
@@ -1821,7 +1821,7 @@
           <a:p>
             <a:fld id="{BC2A025D-D90C-1A40-BCF9-FD2E03D80E83}" type="datetimeFigureOut">
               <a:rPr lang="en-US" smtClean="0"/>
-              <a:t>1/18/17</a:t>
+              <a:t>1/25/17</a:t>
             </a:fld>
             <a:endParaRPr lang="en-US"/>
           </a:p>
@@ -2098,7 +2098,7 @@
           <a:p>
             <a:fld id="{BC2A025D-D90C-1A40-BCF9-FD2E03D80E83}" type="datetimeFigureOut">
               <a:rPr lang="en-US" smtClean="0"/>
-              <a:t>1/18/17</a:t>
+              <a:t>1/25/17</a:t>
             </a:fld>
             <a:endParaRPr lang="en-US"/>
           </a:p>
@@ -2351,7 +2351,7 @@
           <a:p>
             <a:fld id="{BC2A025D-D90C-1A40-BCF9-FD2E03D80E83}" type="datetimeFigureOut">
               <a:rPr lang="en-US" smtClean="0"/>
-              <a:t>1/18/17</a:t>
+              <a:t>1/25/17</a:t>
             </a:fld>
             <a:endParaRPr lang="en-US"/>
           </a:p>
@@ -2564,7 +2564,7 @@
           <a:p>
             <a:fld id="{BC2A025D-D90C-1A40-BCF9-FD2E03D80E83}" type="datetimeFigureOut">
               <a:rPr lang="en-US" smtClean="0"/>
-              <a:t>1/18/17</a:t>
+              <a:t>1/25/17</a:t>
             </a:fld>
             <a:endParaRPr lang="en-US"/>
           </a:p>
@@ -3207,7 +3207,7 @@
         </p:nvSpPr>
         <p:spPr>
           <a:xfrm>
-            <a:off x="1222449" y="1111376"/>
+            <a:off x="1223023" y="1565141"/>
             <a:ext cx="1740111" cy="349404"/>
           </a:xfrm>
           <a:prstGeom prst="rect">
@@ -3274,7 +3274,7 @@
         </p:nvSpPr>
         <p:spPr>
           <a:xfrm>
-            <a:off x="1222449" y="1656968"/>
+            <a:off x="1223023" y="2054004"/>
             <a:ext cx="1740111" cy="349404"/>
           </a:xfrm>
           <a:prstGeom prst="rect">
@@ -3341,7 +3341,7 @@
         </p:nvSpPr>
         <p:spPr>
           <a:xfrm>
-            <a:off x="1222449" y="2202560"/>
+            <a:off x="1223023" y="2545137"/>
             <a:ext cx="1740111" cy="349404"/>
           </a:xfrm>
           <a:prstGeom prst="rect">
@@ -3408,7 +3408,7 @@
         </p:nvSpPr>
         <p:spPr>
           <a:xfrm>
-            <a:off x="1222449" y="2748152"/>
+            <a:off x="1223023" y="3033937"/>
             <a:ext cx="1740111" cy="349404"/>
           </a:xfrm>
           <a:prstGeom prst="rect">
@@ -3535,7 +3535,7 @@
         </p:nvSpPr>
         <p:spPr>
           <a:xfrm>
-            <a:off x="1222449" y="3293744"/>
+            <a:off x="1223023" y="3520459"/>
             <a:ext cx="1740111" cy="349404"/>
           </a:xfrm>
           <a:prstGeom prst="rect">
@@ -3808,8 +3808,8 @@
         </p:nvCxnSpPr>
         <p:spPr>
           <a:xfrm>
-            <a:off x="2962560" y="1286078"/>
-            <a:ext cx="1255565" cy="1073044"/>
+            <a:off x="2963134" y="1739843"/>
+            <a:ext cx="1254991" cy="619279"/>
           </a:xfrm>
           <a:prstGeom prst="straightConnector1">
             <a:avLst/>
@@ -3849,8 +3849,8 @@
         </p:nvCxnSpPr>
         <p:spPr>
           <a:xfrm>
-            <a:off x="2962560" y="1831670"/>
-            <a:ext cx="1255565" cy="527452"/>
+            <a:off x="2963134" y="2228706"/>
+            <a:ext cx="1254991" cy="130416"/>
           </a:xfrm>
           <a:prstGeom prst="straightConnector1">
             <a:avLst/>
@@ -3890,8 +3890,8 @@
         </p:nvCxnSpPr>
         <p:spPr>
           <a:xfrm flipV="1">
-            <a:off x="2962560" y="2359122"/>
-            <a:ext cx="1255565" cy="563732"/>
+            <a:off x="2963134" y="2359122"/>
+            <a:ext cx="1254991" cy="849517"/>
           </a:xfrm>
           <a:prstGeom prst="straightConnector1">
             <a:avLst/>
@@ -3931,8 +3931,8 @@
         </p:nvCxnSpPr>
         <p:spPr>
           <a:xfrm flipV="1">
-            <a:off x="2962560" y="2359122"/>
-            <a:ext cx="1255565" cy="1109324"/>
+            <a:off x="2963134" y="2359122"/>
+            <a:ext cx="1254991" cy="1336039"/>
           </a:xfrm>
           <a:prstGeom prst="straightConnector1">
             <a:avLst/>
@@ -4371,7 +4371,7 @@
         </p:nvSpPr>
         <p:spPr>
           <a:xfrm>
-            <a:off x="1222448" y="3837180"/>
+            <a:off x="1223023" y="4006981"/>
             <a:ext cx="1740111" cy="349404"/>
           </a:xfrm>
           <a:prstGeom prst="rect">
@@ -4438,7 +4438,7 @@
         </p:nvSpPr>
         <p:spPr>
           <a:xfrm>
-            <a:off x="1222447" y="4380616"/>
+            <a:off x="1223023" y="4493216"/>
             <a:ext cx="1740111" cy="349404"/>
           </a:xfrm>
           <a:prstGeom prst="rect">
@@ -4508,8 +4508,8 @@
         </p:nvCxnSpPr>
         <p:spPr>
           <a:xfrm flipV="1">
-            <a:off x="2962559" y="2359122"/>
-            <a:ext cx="1255566" cy="1652760"/>
+            <a:off x="2963134" y="2359122"/>
+            <a:ext cx="1254991" cy="1822561"/>
           </a:xfrm>
           <a:prstGeom prst="straightConnector1">
             <a:avLst/>
@@ -4549,8 +4549,8 @@
         </p:nvCxnSpPr>
         <p:spPr>
           <a:xfrm flipV="1">
-            <a:off x="2962558" y="2359122"/>
-            <a:ext cx="1255567" cy="2196196"/>
+            <a:off x="2963134" y="2359122"/>
+            <a:ext cx="1254991" cy="2308796"/>
           </a:xfrm>
           <a:prstGeom prst="straightConnector1">
             <a:avLst/>
@@ -4590,8 +4590,8 @@
         </p:nvCxnSpPr>
         <p:spPr>
           <a:xfrm flipV="1">
-            <a:off x="2962560" y="2359122"/>
-            <a:ext cx="1255565" cy="18140"/>
+            <a:off x="2963134" y="2359122"/>
+            <a:ext cx="1254991" cy="360717"/>
           </a:xfrm>
           <a:prstGeom prst="straightConnector1">
             <a:avLst/>
@@ -4628,7 +4628,7 @@
         </p:nvSpPr>
         <p:spPr>
           <a:xfrm>
-            <a:off x="1220390" y="571587"/>
+            <a:off x="1223023" y="1074008"/>
             <a:ext cx="1740111" cy="349404"/>
           </a:xfrm>
           <a:prstGeom prst="rect">
@@ -4663,21 +4663,13 @@
           <a:bodyPr rtlCol="0" anchor="ctr"/>
           <a:lstStyle/>
           <a:p>
-            <a:r>
-              <a:rPr lang="en-US" dirty="0" err="1" smtClean="0">
-                <a:solidFill>
-                  <a:schemeClr val="tx1"/>
-                </a:solidFill>
-              </a:rPr>
-              <a:t>ltfsdm</a:t>
-            </a:r>
             <a:r>
               <a:rPr lang="en-US" dirty="0" smtClean="0">
                 <a:solidFill>
                   <a:schemeClr val="tx1"/>
                 </a:solidFill>
               </a:rPr>
-              <a:t> </a:t>
+              <a:t>ltfsdm </a:t>
             </a:r>
             <a:r>
               <a:rPr lang="is-IS" dirty="0" smtClean="0">
@@ -4685,7 +4677,7 @@
                   <a:schemeClr val="tx1"/>
                 </a:solidFill>
               </a:rPr>
-              <a:t>start/stop</a:t>
+              <a:t>stop</a:t>
             </a:r>
             <a:endParaRPr lang="en-US" dirty="0">
               <a:solidFill>
@@ -4774,8 +4766,8 @@
         </p:nvCxnSpPr>
         <p:spPr>
           <a:xfrm>
-            <a:off x="2960501" y="746289"/>
-            <a:ext cx="1257624" cy="1612833"/>
+            <a:off x="2963134" y="1248710"/>
+            <a:ext cx="1254991" cy="1110412"/>
           </a:xfrm>
           <a:prstGeom prst="straightConnector1">
             <a:avLst/>
@@ -4875,7 +4867,7 @@
         </p:nvSpPr>
         <p:spPr>
           <a:xfrm>
-            <a:off x="1222446" y="4924052"/>
+            <a:off x="1223023" y="4979451"/>
             <a:ext cx="1740111" cy="349404"/>
           </a:xfrm>
           <a:prstGeom prst="rect">
@@ -4953,8 +4945,8 @@
         </p:nvCxnSpPr>
         <p:spPr>
           <a:xfrm flipV="1">
-            <a:off x="2962557" y="2359122"/>
-            <a:ext cx="1255568" cy="2739632"/>
+            <a:off x="2963134" y="2359122"/>
+            <a:ext cx="1254991" cy="2795031"/>
           </a:xfrm>
           <a:prstGeom prst="straightConnector1">
             <a:avLst/>
@@ -5574,7 +5566,7 @@
         </p:nvSpPr>
         <p:spPr>
           <a:xfrm>
-            <a:off x="1220390" y="5465686"/>
+            <a:off x="1223023" y="5465686"/>
             <a:ext cx="1740111" cy="349404"/>
           </a:xfrm>
           <a:prstGeom prst="rect">
@@ -5652,8 +5644,8 @@
         </p:nvCxnSpPr>
         <p:spPr>
           <a:xfrm flipV="1">
-            <a:off x="2960501" y="2359122"/>
-            <a:ext cx="1257624" cy="3281266"/>
+            <a:off x="2963134" y="2359122"/>
+            <a:ext cx="1254991" cy="3281266"/>
           </a:xfrm>
           <a:prstGeom prst="straightConnector1">
             <a:avLst/>
@@ -7428,6 +7420,113 @@
           <a:xfrm flipH="1" flipV="1">
             <a:off x="5082940" y="1653838"/>
             <a:ext cx="5241" cy="530582"/>
+          </a:xfrm>
+          <a:prstGeom prst="straightConnector1">
+            <a:avLst/>
+          </a:prstGeom>
+          <a:ln cmpd="sng">
+            <a:solidFill>
+              <a:schemeClr val="tx1"/>
+            </a:solidFill>
+            <a:prstDash val="lgDashDotDot"/>
+            <a:headEnd type="oval"/>
+            <a:tailEnd type="stealth"/>
+          </a:ln>
+        </p:spPr>
+        <p:style>
+          <a:lnRef idx="1">
+            <a:schemeClr val="accent1"/>
+          </a:lnRef>
+          <a:fillRef idx="0">
+            <a:schemeClr val="accent1"/>
+          </a:fillRef>
+          <a:effectRef idx="0">
+            <a:schemeClr val="accent1"/>
+          </a:effectRef>
+          <a:fontRef idx="minor">
+            <a:schemeClr val="tx1"/>
+          </a:fontRef>
+        </p:style>
+      </p:cxnSp>
+      <p:sp>
+        <p:nvSpPr>
+          <p:cNvPr id="119" name="Rectangle 118"/>
+          <p:cNvSpPr/>
+          <p:nvPr/>
+        </p:nvSpPr>
+        <p:spPr>
+          <a:xfrm>
+            <a:off x="1223023" y="587486"/>
+            <a:ext cx="1740111" cy="349404"/>
+          </a:xfrm>
+          <a:prstGeom prst="rect">
+            <a:avLst/>
+          </a:prstGeom>
+          <a:solidFill>
+            <a:schemeClr val="bg1"/>
+          </a:solidFill>
+          <a:ln>
+            <a:solidFill>
+              <a:schemeClr val="tx1"/>
+            </a:solidFill>
+          </a:ln>
+        </p:spPr>
+        <p:style>
+          <a:lnRef idx="2">
+            <a:schemeClr val="accent1">
+              <a:shade val="50000"/>
+            </a:schemeClr>
+          </a:lnRef>
+          <a:fillRef idx="1">
+            <a:schemeClr val="accent1"/>
+          </a:fillRef>
+          <a:effectRef idx="0">
+            <a:schemeClr val="accent1"/>
+          </a:effectRef>
+          <a:fontRef idx="minor">
+            <a:schemeClr val="lt1"/>
+          </a:fontRef>
+        </p:style>
+        <p:txBody>
+          <a:bodyPr rtlCol="0" anchor="ctr"/>
+          <a:lstStyle/>
+          <a:p>
+            <a:r>
+              <a:rPr lang="en-US" dirty="0" smtClean="0">
+                <a:solidFill>
+                  <a:schemeClr val="tx1"/>
+                </a:solidFill>
+              </a:rPr>
+              <a:t>ltfsdm </a:t>
+            </a:r>
+            <a:r>
+              <a:rPr lang="is-IS" dirty="0" smtClean="0">
+                <a:solidFill>
+                  <a:schemeClr val="tx1"/>
+                </a:solidFill>
+              </a:rPr>
+              <a:t>start</a:t>
+            </a:r>
+            <a:endParaRPr lang="en-US" dirty="0">
+              <a:solidFill>
+                <a:schemeClr val="tx1"/>
+              </a:solidFill>
+            </a:endParaRPr>
+          </a:p>
+        </p:txBody>
+      </p:sp>
+      <p:cxnSp>
+        <p:nvCxnSpPr>
+          <p:cNvPr id="126" name="Straight Arrow Connector 125"/>
+          <p:cNvCxnSpPr>
+            <a:stCxn id="119" idx="3"/>
+          </p:cNvCxnSpPr>
+          <p:nvPr/>
+        </p:nvCxnSpPr>
+        <p:spPr>
+          <a:xfrm>
+            <a:off x="2963134" y="762188"/>
+            <a:ext cx="783879" cy="7239"/>
           </a:xfrm>
           <a:prstGeom prst="straightConnector1">
             <a:avLst/>
